--- a/Dokumente/Projektabschluss/Endabgabe_Projektabschluss.pptx
+++ b/Dokumente/Projektabschluss/Endabgabe_Projektabschluss.pptx
@@ -5,16 +5,19 @@
     <p:sldMasterId id="2147483660" r:id="rId1"/>
   </p:sldMasterIdLst>
   <p:notesMasterIdLst>
-    <p:notesMasterId r:id="rId6"/>
+    <p:notesMasterId r:id="rId9"/>
   </p:notesMasterIdLst>
   <p:handoutMasterIdLst>
-    <p:handoutMasterId r:id="rId7"/>
+    <p:handoutMasterId r:id="rId10"/>
   </p:handoutMasterIdLst>
   <p:sldIdLst>
     <p:sldId id="257" r:id="rId2"/>
     <p:sldId id="258" r:id="rId3"/>
     <p:sldId id="260" r:id="rId4"/>
     <p:sldId id="259" r:id="rId5"/>
+    <p:sldId id="261" r:id="rId6"/>
+    <p:sldId id="262" r:id="rId7"/>
+    <p:sldId id="263" r:id="rId8"/>
   </p:sldIdLst>
   <p:sldSz cx="9144000" cy="6858000" type="screen4x3"/>
   <p:notesSz cx="7102475" cy="10234613"/>
@@ -7413,24 +7416,6 @@
           </a:p>
         </p:txBody>
       </p:sp>
-      <p:sp>
-        <p:nvSpPr>
-          <p:cNvPr id="7" name="Bildplatzhalter 6">
-            <a:extLst>
-              <a:ext uri="{FF2B5EF4-FFF2-40B4-BE49-F238E27FC236}">
-                <a16:creationId xmlns:a16="http://schemas.microsoft.com/office/drawing/2014/main" id="{B0B35688-9812-4DC0-920F-39C55AE5A462}"/>
-              </a:ext>
-            </a:extLst>
-          </p:cNvPr>
-          <p:cNvSpPr>
-            <a:spLocks noGrp="1"/>
-          </p:cNvSpPr>
-          <p:nvPr>
-            <p:ph type="pic" sz="quarter" idx="13"/>
-          </p:nvPr>
-        </p:nvSpPr>
-        <p:spPr/>
-      </p:sp>
       <p:pic>
         <p:nvPicPr>
           <p:cNvPr id="12" name="Inhaltsplatzhalter 11">
@@ -7522,24 +7507,6 @@
           </a:p>
         </p:txBody>
       </p:sp>
-      <p:sp>
-        <p:nvSpPr>
-          <p:cNvPr id="7" name="Bildplatzhalter 6">
-            <a:extLst>
-              <a:ext uri="{FF2B5EF4-FFF2-40B4-BE49-F238E27FC236}">
-                <a16:creationId xmlns:a16="http://schemas.microsoft.com/office/drawing/2014/main" id="{B0B35688-9812-4DC0-920F-39C55AE5A462}"/>
-              </a:ext>
-            </a:extLst>
-          </p:cNvPr>
-          <p:cNvSpPr>
-            <a:spLocks noGrp="1"/>
-          </p:cNvSpPr>
-          <p:nvPr>
-            <p:ph type="pic" sz="quarter" idx="13"/>
-          </p:nvPr>
-        </p:nvSpPr>
-        <p:spPr/>
-      </p:sp>
       <p:graphicFrame>
         <p:nvGraphicFramePr>
           <p:cNvPr id="8" name="Inhaltsplatzhalter 7">
@@ -7634,6 +7601,13 @@
               <a:rPr lang="de-DE" dirty="0" err="1"/>
               <a:t>Learned</a:t>
             </a:r>
+            <a:br>
+              <a:rPr lang="de-DE" dirty="0"/>
+            </a:br>
+            <a:r>
+              <a:rPr lang="de-DE" dirty="0"/>
+              <a:t>Gut Funktioniert</a:t>
+            </a:r>
             <a:endParaRPr lang="de-AT" dirty="0"/>
           </a:p>
         </p:txBody>
@@ -7659,54 +7633,52 @@
           <a:bodyPr/>
           <a:lstStyle/>
           <a:p>
-            <a:endParaRPr lang="de-AT"/>
-          </a:p>
-        </p:txBody>
-      </p:sp>
-      <p:sp>
-        <p:nvSpPr>
-          <p:cNvPr id="4" name="Bildplatzhalter 3">
-            <a:extLst>
-              <a:ext uri="{FF2B5EF4-FFF2-40B4-BE49-F238E27FC236}">
-                <a16:creationId xmlns:a16="http://schemas.microsoft.com/office/drawing/2014/main" id="{C18092A5-A77A-4505-B1D7-7BCE4FCE2DF4}"/>
-              </a:ext>
-            </a:extLst>
-          </p:cNvPr>
-          <p:cNvSpPr>
-            <a:spLocks noGrp="1"/>
-          </p:cNvSpPr>
-          <p:nvPr>
-            <p:ph type="pic" sz="quarter" idx="13"/>
-          </p:nvPr>
-        </p:nvSpPr>
-        <p:spPr/>
-      </p:sp>
-      <p:sp>
-        <p:nvSpPr>
-          <p:cNvPr id="5" name="Fußzeilenplatzhalter 4">
-            <a:extLst>
-              <a:ext uri="{FF2B5EF4-FFF2-40B4-BE49-F238E27FC236}">
-                <a16:creationId xmlns:a16="http://schemas.microsoft.com/office/drawing/2014/main" id="{87203C46-5965-478A-B825-78685C8C2B13}"/>
-              </a:ext>
-            </a:extLst>
-          </p:cNvPr>
-          <p:cNvSpPr>
-            <a:spLocks noGrp="1"/>
-          </p:cNvSpPr>
-          <p:nvPr>
-            <p:ph type="ftr" sz="quarter" idx="27"/>
-          </p:nvPr>
-        </p:nvSpPr>
-        <p:spPr/>
-        <p:txBody>
-          <a:bodyPr/>
-          <a:lstStyle/>
-          <a:p>
-            <a:r>
-              <a:rPr lang="de-AT" noProof="0"/>
-              <a:t>Platz für Autor und LVA-Nummer</a:t>
-            </a:r>
-            <a:endParaRPr lang="de-AT" noProof="0" dirty="0"/>
+            <a:r>
+              <a:rPr lang="de-DE" dirty="0"/>
+              <a:t>Werkzeuge</a:t>
+            </a:r>
+          </a:p>
+          <a:p>
+            <a:pPr lvl="1"/>
+            <a:r>
+              <a:rPr lang="de-DE" dirty="0"/>
+              <a:t>GitHub Repository zur Codeverwaltung war sehr gut und wichtig </a:t>
+            </a:r>
+          </a:p>
+          <a:p>
+            <a:pPr lvl="1"/>
+            <a:r>
+              <a:rPr lang="de-DE" dirty="0"/>
+              <a:t>Verwendung von Java war ideal, da alle Teammitglieder mit dieser Programmiersprache umgehen können</a:t>
+            </a:r>
+          </a:p>
+          <a:p>
+            <a:pPr lvl="1"/>
+            <a:endParaRPr lang="de-DE" dirty="0"/>
+          </a:p>
+          <a:p>
+            <a:r>
+              <a:rPr lang="de-DE" dirty="0"/>
+              <a:t>Kommunikation</a:t>
+            </a:r>
+          </a:p>
+          <a:p>
+            <a:pPr lvl="1"/>
+            <a:r>
+              <a:rPr lang="de-DE" dirty="0"/>
+              <a:t>WhatsApp zur Terminvereinbarung und Fragen, immer erreichbar und schnelle Antworten</a:t>
+            </a:r>
+          </a:p>
+          <a:p>
+            <a:pPr lvl="1"/>
+            <a:r>
+              <a:rPr lang="de-DE" dirty="0"/>
+              <a:t>Teamarbeit funktioniert um einiges besser als Einzelarbeit</a:t>
+            </a:r>
+          </a:p>
+          <a:p>
+            <a:pPr lvl="1"/>
+            <a:endParaRPr lang="de-AT" dirty="0"/>
           </a:p>
         </p:txBody>
       </p:sp>
@@ -7744,6 +7716,534 @@
     <p:extLst>
       <p:ext uri="{BB962C8B-B14F-4D97-AF65-F5344CB8AC3E}">
         <p14:creationId xmlns:p14="http://schemas.microsoft.com/office/powerpoint/2010/main" val="2287061527"/>
+      </p:ext>
+    </p:extLst>
+  </p:cSld>
+  <p:clrMapOvr>
+    <a:masterClrMapping/>
+  </p:clrMapOvr>
+</p:sld>
+</file>
+
+<file path=ppt/slides/slide5.xml><?xml version="1.0" encoding="utf-8"?>
+<p:sld xmlns:a="http://schemas.openxmlformats.org/drawingml/2006/main" xmlns:r="http://schemas.openxmlformats.org/officeDocument/2006/relationships" xmlns:p="http://schemas.openxmlformats.org/presentationml/2006/main">
+  <p:cSld>
+    <p:spTree>
+      <p:nvGrpSpPr>
+        <p:cNvPr id="1" name=""/>
+        <p:cNvGrpSpPr/>
+        <p:nvPr/>
+      </p:nvGrpSpPr>
+      <p:grpSpPr>
+        <a:xfrm>
+          <a:off x="0" y="0"/>
+          <a:ext cx="0" cy="0"/>
+          <a:chOff x="0" y="0"/>
+          <a:chExt cx="0" cy="0"/>
+        </a:xfrm>
+      </p:grpSpPr>
+      <p:sp>
+        <p:nvSpPr>
+          <p:cNvPr id="2" name="Titel 1">
+            <a:extLst>
+              <a:ext uri="{FF2B5EF4-FFF2-40B4-BE49-F238E27FC236}">
+                <a16:creationId xmlns:a16="http://schemas.microsoft.com/office/drawing/2014/main" id="{23F4245F-6604-456B-9F58-AD8ACFF07416}"/>
+              </a:ext>
+            </a:extLst>
+          </p:cNvPr>
+          <p:cNvSpPr>
+            <a:spLocks noGrp="1"/>
+          </p:cNvSpPr>
+          <p:nvPr>
+            <p:ph type="title"/>
+          </p:nvPr>
+        </p:nvSpPr>
+        <p:spPr/>
+        <p:txBody>
+          <a:bodyPr/>
+          <a:lstStyle/>
+          <a:p>
+            <a:r>
+              <a:rPr lang="de-DE" dirty="0" err="1"/>
+              <a:t>Lessons</a:t>
+            </a:r>
+            <a:r>
+              <a:rPr lang="de-DE" dirty="0"/>
+              <a:t> </a:t>
+            </a:r>
+            <a:r>
+              <a:rPr lang="de-DE" dirty="0" err="1"/>
+              <a:t>Learned</a:t>
+            </a:r>
+            <a:br>
+              <a:rPr lang="de-DE" dirty="0"/>
+            </a:br>
+            <a:r>
+              <a:rPr lang="de-DE" dirty="0"/>
+              <a:t>Weniger Gut Funktioniert</a:t>
+            </a:r>
+            <a:endParaRPr lang="de-AT" dirty="0"/>
+          </a:p>
+        </p:txBody>
+      </p:sp>
+      <p:sp>
+        <p:nvSpPr>
+          <p:cNvPr id="3" name="Inhaltsplatzhalter 2">
+            <a:extLst>
+              <a:ext uri="{FF2B5EF4-FFF2-40B4-BE49-F238E27FC236}">
+                <a16:creationId xmlns:a16="http://schemas.microsoft.com/office/drawing/2014/main" id="{716D2C79-47AF-4528-8215-6D69D12A5274}"/>
+              </a:ext>
+            </a:extLst>
+          </p:cNvPr>
+          <p:cNvSpPr>
+            <a:spLocks noGrp="1"/>
+          </p:cNvSpPr>
+          <p:nvPr>
+            <p:ph idx="1"/>
+          </p:nvPr>
+        </p:nvSpPr>
+        <p:spPr/>
+        <p:txBody>
+          <a:bodyPr/>
+          <a:lstStyle/>
+          <a:p>
+            <a:r>
+              <a:rPr lang="de-DE" dirty="0"/>
+              <a:t>Planung</a:t>
+            </a:r>
+          </a:p>
+          <a:p>
+            <a:pPr lvl="1"/>
+            <a:r>
+              <a:rPr lang="de-DE" dirty="0"/>
+              <a:t>Zu wenig Zeit für Planung &amp; Organisation sowie Dokumentation eingeplant </a:t>
+            </a:r>
+          </a:p>
+          <a:p>
+            <a:pPr lvl="1"/>
+            <a:r>
+              <a:rPr lang="de-DE" dirty="0"/>
+              <a:t>Gelernt: In Zukunft mehr Zeit am Anfang eines Projektes investieren, wie für den konzeptuellen Entwurf, würde die Implementierung enorm erleichtern und wurde etwas unterschätzt</a:t>
+            </a:r>
+          </a:p>
+          <a:p>
+            <a:pPr lvl="1"/>
+            <a:endParaRPr lang="de-DE" dirty="0"/>
+          </a:p>
+          <a:p>
+            <a:r>
+              <a:rPr lang="de-DE" dirty="0"/>
+              <a:t>Verständnis der Aufgabenstellung und des Codes</a:t>
+            </a:r>
+          </a:p>
+          <a:p>
+            <a:pPr lvl="1"/>
+            <a:r>
+              <a:rPr lang="de-DE" dirty="0"/>
+              <a:t>Komplexität des Codes wurde lange nicht verstanden</a:t>
+            </a:r>
+          </a:p>
+          <a:p>
+            <a:pPr lvl="1"/>
+            <a:r>
+              <a:rPr lang="de-DE" dirty="0"/>
+              <a:t>Die genaue Aufgabenstellung war lange sehr unklar</a:t>
+            </a:r>
+          </a:p>
+          <a:p>
+            <a:pPr lvl="1"/>
+            <a:r>
+              <a:rPr lang="de-DE" dirty="0"/>
+              <a:t>Gelernt: Früher Kontakt zum LVA Leiter suchen um Unklarheiten und Fragen zu klären</a:t>
+            </a:r>
+            <a:endParaRPr lang="de-AT" dirty="0"/>
+          </a:p>
+        </p:txBody>
+      </p:sp>
+      <p:sp>
+        <p:nvSpPr>
+          <p:cNvPr id="6" name="Foliennummernplatzhalter 5">
+            <a:extLst>
+              <a:ext uri="{FF2B5EF4-FFF2-40B4-BE49-F238E27FC236}">
+                <a16:creationId xmlns:a16="http://schemas.microsoft.com/office/drawing/2014/main" id="{9A2DF4B0-5CCD-49F2-A817-3F21C140779B}"/>
+              </a:ext>
+            </a:extLst>
+          </p:cNvPr>
+          <p:cNvSpPr>
+            <a:spLocks noGrp="1"/>
+          </p:cNvSpPr>
+          <p:nvPr>
+            <p:ph type="sldNum" sz="quarter" idx="28"/>
+          </p:nvPr>
+        </p:nvSpPr>
+        <p:spPr/>
+        <p:txBody>
+          <a:bodyPr/>
+          <a:lstStyle/>
+          <a:p>
+            <a:fld id="{2FCA2C60-3929-1D49-B29C-C60A97789EE3}" type="slidenum">
+              <a:rPr lang="en-US" smtClean="0"/>
+              <a:pPr/>
+              <a:t>5</a:t>
+            </a:fld>
+            <a:endParaRPr lang="en-US" dirty="0"/>
+          </a:p>
+        </p:txBody>
+      </p:sp>
+    </p:spTree>
+    <p:extLst>
+      <p:ext uri="{BB962C8B-B14F-4D97-AF65-F5344CB8AC3E}">
+        <p14:creationId xmlns:p14="http://schemas.microsoft.com/office/powerpoint/2010/main" val="1237992807"/>
+      </p:ext>
+    </p:extLst>
+  </p:cSld>
+  <p:clrMapOvr>
+    <a:masterClrMapping/>
+  </p:clrMapOvr>
+</p:sld>
+</file>
+
+<file path=ppt/slides/slide6.xml><?xml version="1.0" encoding="utf-8"?>
+<p:sld xmlns:a="http://schemas.openxmlformats.org/drawingml/2006/main" xmlns:r="http://schemas.openxmlformats.org/officeDocument/2006/relationships" xmlns:p="http://schemas.openxmlformats.org/presentationml/2006/main">
+  <p:cSld>
+    <p:spTree>
+      <p:nvGrpSpPr>
+        <p:cNvPr id="1" name=""/>
+        <p:cNvGrpSpPr/>
+        <p:nvPr/>
+      </p:nvGrpSpPr>
+      <p:grpSpPr>
+        <a:xfrm>
+          <a:off x="0" y="0"/>
+          <a:ext cx="0" cy="0"/>
+          <a:chOff x="0" y="0"/>
+          <a:chExt cx="0" cy="0"/>
+        </a:xfrm>
+      </p:grpSpPr>
+      <p:sp>
+        <p:nvSpPr>
+          <p:cNvPr id="2" name="Titel 1">
+            <a:extLst>
+              <a:ext uri="{FF2B5EF4-FFF2-40B4-BE49-F238E27FC236}">
+                <a16:creationId xmlns:a16="http://schemas.microsoft.com/office/drawing/2014/main" id="{31D21C00-19DA-44E4-938F-E698E110FB45}"/>
+              </a:ext>
+            </a:extLst>
+          </p:cNvPr>
+          <p:cNvSpPr>
+            <a:spLocks noGrp="1"/>
+          </p:cNvSpPr>
+          <p:nvPr>
+            <p:ph type="title"/>
+          </p:nvPr>
+        </p:nvSpPr>
+        <p:spPr/>
+        <p:txBody>
+          <a:bodyPr/>
+          <a:lstStyle/>
+          <a:p>
+            <a:r>
+              <a:rPr lang="de-DE" dirty="0"/>
+              <a:t>Anmerkungen zur Abgabe</a:t>
+            </a:r>
+            <a:endParaRPr lang="de-AT" dirty="0"/>
+          </a:p>
+        </p:txBody>
+      </p:sp>
+      <p:sp>
+        <p:nvSpPr>
+          <p:cNvPr id="3" name="Inhaltsplatzhalter 2">
+            <a:extLst>
+              <a:ext uri="{FF2B5EF4-FFF2-40B4-BE49-F238E27FC236}">
+                <a16:creationId xmlns:a16="http://schemas.microsoft.com/office/drawing/2014/main" id="{1DDAF0F5-8B16-4079-B8EA-0DE9316C6E3C}"/>
+              </a:ext>
+            </a:extLst>
+          </p:cNvPr>
+          <p:cNvSpPr>
+            <a:spLocks noGrp="1"/>
+          </p:cNvSpPr>
+          <p:nvPr>
+            <p:ph idx="1"/>
+          </p:nvPr>
+        </p:nvSpPr>
+        <p:spPr/>
+        <p:txBody>
+          <a:bodyPr/>
+          <a:lstStyle/>
+          <a:p>
+            <a:r>
+              <a:rPr lang="de-DE" dirty="0"/>
+              <a:t>Abgabe des Java Projects und einer </a:t>
+            </a:r>
+            <a:r>
+              <a:rPr lang="de-DE" dirty="0" err="1"/>
+              <a:t>Runnable</a:t>
+            </a:r>
+            <a:r>
+              <a:rPr lang="de-DE" dirty="0"/>
+              <a:t> </a:t>
+            </a:r>
+            <a:r>
+              <a:rPr lang="de-DE" dirty="0" err="1"/>
+              <a:t>Jar</a:t>
+            </a:r>
+            <a:r>
+              <a:rPr lang="de-DE" dirty="0"/>
+              <a:t> Datei zur Ausführung des Codes</a:t>
+            </a:r>
+          </a:p>
+          <a:p>
+            <a:pPr lvl="1"/>
+            <a:r>
+              <a:rPr lang="de-DE" dirty="0"/>
+              <a:t>Wie bei Meilenstein Implementierung</a:t>
+            </a:r>
+          </a:p>
+          <a:p>
+            <a:pPr lvl="1"/>
+            <a:endParaRPr lang="de-DE" dirty="0"/>
+          </a:p>
+          <a:p>
+            <a:r>
+              <a:rPr lang="de-DE" dirty="0"/>
+              <a:t>Finale Version der Zeiterfassung als Excel Tabelle	</a:t>
+            </a:r>
+          </a:p>
+          <a:p>
+            <a:pPr lvl="1"/>
+            <a:r>
+              <a:rPr lang="de-DE" dirty="0"/>
+              <a:t>Jedes Teammitglied hat eigenes Tabellenblatt</a:t>
+            </a:r>
+          </a:p>
+          <a:p>
+            <a:pPr lvl="1"/>
+            <a:r>
+              <a:rPr lang="de-DE" dirty="0"/>
+              <a:t>Gesamtübersicht und grafische Verteilung der Stunden in eigenem Tabellenblatt</a:t>
+            </a:r>
+          </a:p>
+          <a:p>
+            <a:pPr lvl="1"/>
+            <a:endParaRPr lang="de-DE" dirty="0"/>
+          </a:p>
+          <a:p>
+            <a:pPr lvl="1"/>
+            <a:endParaRPr lang="de-AT" dirty="0"/>
+          </a:p>
+        </p:txBody>
+      </p:sp>
+      <p:sp>
+        <p:nvSpPr>
+          <p:cNvPr id="6" name="Foliennummernplatzhalter 5">
+            <a:extLst>
+              <a:ext uri="{FF2B5EF4-FFF2-40B4-BE49-F238E27FC236}">
+                <a16:creationId xmlns:a16="http://schemas.microsoft.com/office/drawing/2014/main" id="{279035B8-7AC3-4738-8690-A9A6D38AABF3}"/>
+              </a:ext>
+            </a:extLst>
+          </p:cNvPr>
+          <p:cNvSpPr>
+            <a:spLocks noGrp="1"/>
+          </p:cNvSpPr>
+          <p:nvPr>
+            <p:ph type="sldNum" sz="quarter" idx="28"/>
+          </p:nvPr>
+        </p:nvSpPr>
+        <p:spPr/>
+        <p:txBody>
+          <a:bodyPr/>
+          <a:lstStyle/>
+          <a:p>
+            <a:fld id="{2FCA2C60-3929-1D49-B29C-C60A97789EE3}" type="slidenum">
+              <a:rPr lang="en-US" smtClean="0"/>
+              <a:pPr/>
+              <a:t>6</a:t>
+            </a:fld>
+            <a:endParaRPr lang="en-US" dirty="0"/>
+          </a:p>
+        </p:txBody>
+      </p:sp>
+    </p:spTree>
+    <p:extLst>
+      <p:ext uri="{BB962C8B-B14F-4D97-AF65-F5344CB8AC3E}">
+        <p14:creationId xmlns:p14="http://schemas.microsoft.com/office/powerpoint/2010/main" val="3038075436"/>
+      </p:ext>
+    </p:extLst>
+  </p:cSld>
+  <p:clrMapOvr>
+    <a:masterClrMapping/>
+  </p:clrMapOvr>
+</p:sld>
+</file>
+
+<file path=ppt/slides/slide7.xml><?xml version="1.0" encoding="utf-8"?>
+<p:sld xmlns:a="http://schemas.openxmlformats.org/drawingml/2006/main" xmlns:r="http://schemas.openxmlformats.org/officeDocument/2006/relationships" xmlns:p="http://schemas.openxmlformats.org/presentationml/2006/main">
+  <p:cSld>
+    <p:spTree>
+      <p:nvGrpSpPr>
+        <p:cNvPr id="1" name=""/>
+        <p:cNvGrpSpPr/>
+        <p:nvPr/>
+      </p:nvGrpSpPr>
+      <p:grpSpPr>
+        <a:xfrm>
+          <a:off x="0" y="0"/>
+          <a:ext cx="0" cy="0"/>
+          <a:chOff x="0" y="0"/>
+          <a:chExt cx="0" cy="0"/>
+        </a:xfrm>
+      </p:grpSpPr>
+      <p:sp>
+        <p:nvSpPr>
+          <p:cNvPr id="2" name="Titel 1">
+            <a:extLst>
+              <a:ext uri="{FF2B5EF4-FFF2-40B4-BE49-F238E27FC236}">
+                <a16:creationId xmlns:a16="http://schemas.microsoft.com/office/drawing/2014/main" id="{03641EAD-FBA0-42FA-84C9-BA5832842BF6}"/>
+              </a:ext>
+            </a:extLst>
+          </p:cNvPr>
+          <p:cNvSpPr>
+            <a:spLocks noGrp="1"/>
+          </p:cNvSpPr>
+          <p:nvPr>
+            <p:ph type="title"/>
+          </p:nvPr>
+        </p:nvSpPr>
+        <p:spPr/>
+        <p:txBody>
+          <a:bodyPr/>
+          <a:lstStyle/>
+          <a:p>
+            <a:r>
+              <a:rPr lang="de-DE" dirty="0"/>
+              <a:t>Anmerkungen zur Abgabe</a:t>
+            </a:r>
+            <a:endParaRPr lang="de-AT" dirty="0"/>
+          </a:p>
+        </p:txBody>
+      </p:sp>
+      <p:sp>
+        <p:nvSpPr>
+          <p:cNvPr id="3" name="Inhaltsplatzhalter 2">
+            <a:extLst>
+              <a:ext uri="{FF2B5EF4-FFF2-40B4-BE49-F238E27FC236}">
+                <a16:creationId xmlns:a16="http://schemas.microsoft.com/office/drawing/2014/main" id="{C264D587-56CB-42FF-987D-1C21A6096059}"/>
+              </a:ext>
+            </a:extLst>
+          </p:cNvPr>
+          <p:cNvSpPr>
+            <a:spLocks noGrp="1"/>
+          </p:cNvSpPr>
+          <p:nvPr>
+            <p:ph idx="1"/>
+          </p:nvPr>
+        </p:nvSpPr>
+        <p:spPr/>
+        <p:txBody>
+          <a:bodyPr/>
+          <a:lstStyle/>
+          <a:p>
+            <a:r>
+              <a:rPr lang="de-DE" dirty="0"/>
+              <a:t>Vergleich zur Aufwandsschätzung als Excel Tabelle</a:t>
+            </a:r>
+          </a:p>
+          <a:p>
+            <a:pPr lvl="1"/>
+            <a:r>
+              <a:rPr lang="de-DE" dirty="0"/>
+              <a:t>Vergleich mit Hilfe von SUMMEWENN Funktion zur Zeiterfassung</a:t>
+            </a:r>
+          </a:p>
+          <a:p>
+            <a:pPr lvl="1"/>
+            <a:r>
+              <a:rPr lang="de-DE" dirty="0"/>
+              <a:t>Übersicht Gesamt und nach Teammitgliedern aufgeschlüsselt </a:t>
+            </a:r>
+          </a:p>
+          <a:p>
+            <a:endParaRPr lang="de-DE" dirty="0"/>
+          </a:p>
+          <a:p>
+            <a:r>
+              <a:rPr lang="de-DE" dirty="0"/>
+              <a:t>B</a:t>
+            </a:r>
+            <a:r>
+              <a:rPr lang="de-AT" dirty="0" err="1"/>
+              <a:t>enutzerdokumentation</a:t>
+            </a:r>
+            <a:r>
+              <a:rPr lang="de-AT" dirty="0"/>
+              <a:t>	</a:t>
+            </a:r>
+          </a:p>
+          <a:p>
+            <a:pPr lvl="1"/>
+            <a:r>
+              <a:rPr lang="de-DE" dirty="0"/>
+              <a:t>A</a:t>
+            </a:r>
+            <a:r>
+              <a:rPr lang="de-AT" dirty="0" err="1"/>
+              <a:t>uch</a:t>
+            </a:r>
+            <a:r>
+              <a:rPr lang="de-AT" dirty="0"/>
+              <a:t> schon im Meilenstein Implementierung enthalten</a:t>
+            </a:r>
+          </a:p>
+          <a:p>
+            <a:pPr lvl="1"/>
+            <a:r>
+              <a:rPr lang="de-DE" dirty="0"/>
+              <a:t>E</a:t>
+            </a:r>
+            <a:r>
+              <a:rPr lang="de-AT" dirty="0" err="1"/>
+              <a:t>nthält</a:t>
+            </a:r>
+            <a:r>
+              <a:rPr lang="de-AT" dirty="0"/>
+              <a:t> Installationsanleitung und Anleitung zur Ausführung des Programmes</a:t>
+            </a:r>
+          </a:p>
+        </p:txBody>
+      </p:sp>
+      <p:sp>
+        <p:nvSpPr>
+          <p:cNvPr id="6" name="Foliennummernplatzhalter 5">
+            <a:extLst>
+              <a:ext uri="{FF2B5EF4-FFF2-40B4-BE49-F238E27FC236}">
+                <a16:creationId xmlns:a16="http://schemas.microsoft.com/office/drawing/2014/main" id="{73DE4894-C03D-48F5-B5C8-8948F62C794F}"/>
+              </a:ext>
+            </a:extLst>
+          </p:cNvPr>
+          <p:cNvSpPr>
+            <a:spLocks noGrp="1"/>
+          </p:cNvSpPr>
+          <p:nvPr>
+            <p:ph type="sldNum" sz="quarter" idx="28"/>
+          </p:nvPr>
+        </p:nvSpPr>
+        <p:spPr/>
+        <p:txBody>
+          <a:bodyPr/>
+          <a:lstStyle/>
+          <a:p>
+            <a:fld id="{2FCA2C60-3929-1D49-B29C-C60A97789EE3}" type="slidenum">
+              <a:rPr lang="en-US" smtClean="0"/>
+              <a:pPr/>
+              <a:t>7</a:t>
+            </a:fld>
+            <a:endParaRPr lang="en-US" dirty="0"/>
+          </a:p>
+        </p:txBody>
+      </p:sp>
+    </p:spTree>
+    <p:extLst>
+      <p:ext uri="{BB962C8B-B14F-4D97-AF65-F5344CB8AC3E}">
+        <p14:creationId xmlns:p14="http://schemas.microsoft.com/office/powerpoint/2010/main" val="57636349"/>
       </p:ext>
     </p:extLst>
   </p:cSld>

--- a/Dokumente/Projektabschluss/Endabgabe_Projektabschluss.pptx
+++ b/Dokumente/Projektabschluss/Endabgabe_Projektabschluss.pptx
@@ -5,19 +5,20 @@
     <p:sldMasterId id="2147483660" r:id="rId1"/>
   </p:sldMasterIdLst>
   <p:notesMasterIdLst>
-    <p:notesMasterId r:id="rId9"/>
+    <p:notesMasterId r:id="rId10"/>
   </p:notesMasterIdLst>
   <p:handoutMasterIdLst>
-    <p:handoutMasterId r:id="rId10"/>
+    <p:handoutMasterId r:id="rId11"/>
   </p:handoutMasterIdLst>
   <p:sldIdLst>
     <p:sldId id="257" r:id="rId2"/>
-    <p:sldId id="258" r:id="rId3"/>
-    <p:sldId id="260" r:id="rId4"/>
-    <p:sldId id="259" r:id="rId5"/>
-    <p:sldId id="261" r:id="rId6"/>
-    <p:sldId id="262" r:id="rId7"/>
-    <p:sldId id="263" r:id="rId8"/>
+    <p:sldId id="264" r:id="rId3"/>
+    <p:sldId id="258" r:id="rId4"/>
+    <p:sldId id="260" r:id="rId5"/>
+    <p:sldId id="259" r:id="rId6"/>
+    <p:sldId id="261" r:id="rId7"/>
+    <p:sldId id="262" r:id="rId8"/>
+    <p:sldId id="263" r:id="rId9"/>
   </p:sldIdLst>
   <p:sldSz cx="9144000" cy="6858000" type="screen4x3"/>
   <p:notesSz cx="7102475" cy="10234613"/>
@@ -174,9 +175,16 @@
           <c:invertIfNegative val="0"/>
           <c:cat>
             <c:strRef>
-              <c:f>Vergleich_Aufwandsschätzung!$B$3:$B$14</c:f>
+              <c:extLst>
+                <c:ext xmlns:c15="http://schemas.microsoft.com/office/drawing/2012/chart" uri="{02D57815-91ED-43cb-92C2-25804820EDAC}">
+                  <c15:fullRef>
+                    <c15:sqref>Vergleich_Aufwandsschätzung!$B$3:$B$14</c15:sqref>
+                  </c15:fullRef>
+                </c:ext>
+              </c:extLst>
+              <c:f>(Vergleich_Aufwandsschätzung!$B$3:$B$4,Vergleich_Aufwandsschätzung!$B$6:$B$14)</c:f>
               <c:strCache>
-                <c:ptCount val="12"/>
+                <c:ptCount val="11"/>
                 <c:pt idx="0">
                   <c:v>Planung und Organisation </c:v>
                 </c:pt>
@@ -184,33 +192,30 @@
                   <c:v>Dokumentation </c:v>
                 </c:pt>
                 <c:pt idx="2">
-                  <c:v>Implementierung von </c:v>
+                  <c:v>Evaluierungsprogramm </c:v>
                 </c:pt>
                 <c:pt idx="3">
-                  <c:v>Evaluierungsprogramm </c:v>
+                  <c:v>Datengenerator Rule Model Inheritance </c:v>
                 </c:pt>
                 <c:pt idx="4">
-                  <c:v>Datengenerator Rule Model Inheritance </c:v>
+                  <c:v>Datengenerator CBR </c:v>
                 </c:pt>
                 <c:pt idx="5">
-                  <c:v>Datengenerator CBR </c:v>
+                  <c:v>Datenspeicherung </c:v>
                 </c:pt>
                 <c:pt idx="6">
-                  <c:v>Datenspeicherung </c:v>
+                  <c:v>User Schnittstelle </c:v>
                 </c:pt>
                 <c:pt idx="7">
-                  <c:v>User Schnittstelle </c:v>
+                  <c:v>Rule Model Inheritance Datengenerator Schnittstelle </c:v>
                 </c:pt>
                 <c:pt idx="8">
-                  <c:v>Rule Model Inheritance Datengenerator Schnittstelle </c:v>
+                  <c:v>CBR Datengenerator Schnittstelle</c:v>
                 </c:pt>
                 <c:pt idx="9">
-                  <c:v>CBR Datengenerator Schnittstelle</c:v>
+                  <c:v>Vadalog Schnittstelle </c:v>
                 </c:pt>
                 <c:pt idx="10">
-                  <c:v>Vadalog Schnittstelle </c:v>
-                </c:pt>
-                <c:pt idx="11">
                   <c:v>Schnittstelle Datenspeicherung</c:v>
                 </c:pt>
               </c:strCache>
@@ -218,41 +223,48 @@
           </c:cat>
           <c:val>
             <c:numRef>
-              <c:f>Vergleich_Aufwandsschätzung!$C$3:$C$14</c:f>
+              <c:extLst>
+                <c:ext xmlns:c15="http://schemas.microsoft.com/office/drawing/2012/chart" uri="{02D57815-91ED-43cb-92C2-25804820EDAC}">
+                  <c15:fullRef>
+                    <c15:sqref>Vergleich_Aufwandsschätzung!$C$3:$C$14</c15:sqref>
+                  </c15:fullRef>
+                </c:ext>
+              </c:extLst>
+              <c:f>(Vergleich_Aufwandsschätzung!$C$3:$C$4,Vergleich_Aufwandsschätzung!$C$6:$C$14)</c:f>
               <c:numCache>
                 <c:formatCode>General</c:formatCode>
-                <c:ptCount val="12"/>
+                <c:ptCount val="11"/>
                 <c:pt idx="0">
                   <c:v>50</c:v>
                 </c:pt>
                 <c:pt idx="1">
                   <c:v>50</c:v>
                 </c:pt>
-                <c:pt idx="3">
+                <c:pt idx="2">
                   <c:v>50</c:v>
                 </c:pt>
-                <c:pt idx="4">
+                <c:pt idx="3">
                   <c:v>140</c:v>
                 </c:pt>
-                <c:pt idx="5">
+                <c:pt idx="4">
                   <c:v>100</c:v>
                 </c:pt>
-                <c:pt idx="6">
+                <c:pt idx="5">
                   <c:v>30</c:v>
                 </c:pt>
+                <c:pt idx="6">
+                  <c:v>50</c:v>
+                </c:pt>
                 <c:pt idx="7">
-                  <c:v>50</c:v>
+                  <c:v>40</c:v>
                 </c:pt>
                 <c:pt idx="8">
                   <c:v>40</c:v>
                 </c:pt>
                 <c:pt idx="9">
-                  <c:v>40</c:v>
+                  <c:v>30</c:v>
                 </c:pt>
                 <c:pt idx="10">
-                  <c:v>30</c:v>
-                </c:pt>
-                <c:pt idx="11">
                   <c:v>30</c:v>
                 </c:pt>
               </c:numCache>
@@ -260,7 +272,7 @@
           </c:val>
           <c:extLst>
             <c:ext xmlns:c16="http://schemas.microsoft.com/office/drawing/2014/chart" uri="{C3380CC4-5D6E-409C-BE32-E72D297353CC}">
-              <c16:uniqueId val="{00000000-F42D-4B20-9DF6-57E721E78FB8}"/>
+              <c16:uniqueId val="{00000000-66BA-44EA-ADF4-0166D69E1EAA}"/>
             </c:ext>
           </c:extLst>
         </c:ser>
@@ -290,9 +302,16 @@
           <c:invertIfNegative val="0"/>
           <c:cat>
             <c:strRef>
-              <c:f>Vergleich_Aufwandsschätzung!$B$3:$B$14</c:f>
+              <c:extLst>
+                <c:ext xmlns:c15="http://schemas.microsoft.com/office/drawing/2012/chart" uri="{02D57815-91ED-43cb-92C2-25804820EDAC}">
+                  <c15:fullRef>
+                    <c15:sqref>Vergleich_Aufwandsschätzung!$B$3:$B$14</c15:sqref>
+                  </c15:fullRef>
+                </c:ext>
+              </c:extLst>
+              <c:f>(Vergleich_Aufwandsschätzung!$B$3:$B$4,Vergleich_Aufwandsschätzung!$B$6:$B$14)</c:f>
               <c:strCache>
-                <c:ptCount val="12"/>
+                <c:ptCount val="11"/>
                 <c:pt idx="0">
                   <c:v>Planung und Organisation </c:v>
                 </c:pt>
@@ -300,33 +319,30 @@
                   <c:v>Dokumentation </c:v>
                 </c:pt>
                 <c:pt idx="2">
-                  <c:v>Implementierung von </c:v>
+                  <c:v>Evaluierungsprogramm </c:v>
                 </c:pt>
                 <c:pt idx="3">
-                  <c:v>Evaluierungsprogramm </c:v>
+                  <c:v>Datengenerator Rule Model Inheritance </c:v>
                 </c:pt>
                 <c:pt idx="4">
-                  <c:v>Datengenerator Rule Model Inheritance </c:v>
+                  <c:v>Datengenerator CBR </c:v>
                 </c:pt>
                 <c:pt idx="5">
-                  <c:v>Datengenerator CBR </c:v>
+                  <c:v>Datenspeicherung </c:v>
                 </c:pt>
                 <c:pt idx="6">
-                  <c:v>Datenspeicherung </c:v>
+                  <c:v>User Schnittstelle </c:v>
                 </c:pt>
                 <c:pt idx="7">
-                  <c:v>User Schnittstelle </c:v>
+                  <c:v>Rule Model Inheritance Datengenerator Schnittstelle </c:v>
                 </c:pt>
                 <c:pt idx="8">
-                  <c:v>Rule Model Inheritance Datengenerator Schnittstelle </c:v>
+                  <c:v>CBR Datengenerator Schnittstelle</c:v>
                 </c:pt>
                 <c:pt idx="9">
-                  <c:v>CBR Datengenerator Schnittstelle</c:v>
+                  <c:v>Vadalog Schnittstelle </c:v>
                 </c:pt>
                 <c:pt idx="10">
-                  <c:v>Vadalog Schnittstelle </c:v>
-                </c:pt>
-                <c:pt idx="11">
                   <c:v>Schnittstelle Datenspeicherung</c:v>
                 </c:pt>
               </c:strCache>
@@ -334,41 +350,48 @@
           </c:cat>
           <c:val>
             <c:numRef>
-              <c:f>Vergleich_Aufwandsschätzung!$D$3:$D$14</c:f>
+              <c:extLst>
+                <c:ext xmlns:c15="http://schemas.microsoft.com/office/drawing/2012/chart" uri="{02D57815-91ED-43cb-92C2-25804820EDAC}">
+                  <c15:fullRef>
+                    <c15:sqref>Vergleich_Aufwandsschätzung!$D$3:$D$14</c15:sqref>
+                  </c15:fullRef>
+                </c:ext>
+              </c:extLst>
+              <c:f>(Vergleich_Aufwandsschätzung!$D$3:$D$4,Vergleich_Aufwandsschätzung!$D$6:$D$14)</c:f>
               <c:numCache>
                 <c:formatCode>General</c:formatCode>
-                <c:ptCount val="12"/>
+                <c:ptCount val="11"/>
                 <c:pt idx="0">
                   <c:v>102</c:v>
                 </c:pt>
                 <c:pt idx="1">
                   <c:v>177.25</c:v>
                 </c:pt>
-                <c:pt idx="3">
+                <c:pt idx="2">
                   <c:v>25</c:v>
                 </c:pt>
-                <c:pt idx="4">
+                <c:pt idx="3">
                   <c:v>116</c:v>
                 </c:pt>
-                <c:pt idx="5">
+                <c:pt idx="4">
                   <c:v>28.75</c:v>
                 </c:pt>
-                <c:pt idx="6">
+                <c:pt idx="5">
                   <c:v>12</c:v>
                 </c:pt>
-                <c:pt idx="7">
+                <c:pt idx="6">
                   <c:v>2</c:v>
                 </c:pt>
-                <c:pt idx="8">
+                <c:pt idx="7">
                   <c:v>14</c:v>
                 </c:pt>
-                <c:pt idx="9">
+                <c:pt idx="8">
                   <c:v>7</c:v>
                 </c:pt>
-                <c:pt idx="10">
+                <c:pt idx="9">
                   <c:v>4.5</c:v>
                 </c:pt>
-                <c:pt idx="11">
+                <c:pt idx="10">
                   <c:v>42</c:v>
                 </c:pt>
               </c:numCache>
@@ -376,7 +399,7 @@
           </c:val>
           <c:extLst>
             <c:ext xmlns:c16="http://schemas.microsoft.com/office/drawing/2014/chart" uri="{C3380CC4-5D6E-409C-BE32-E72D297353CC}">
-              <c16:uniqueId val="{00000001-F42D-4B20-9DF6-57E721E78FB8}"/>
+              <c16:uniqueId val="{00000001-66BA-44EA-ADF4-0166D69E1EAA}"/>
             </c:ext>
           </c:extLst>
         </c:ser>
@@ -7389,6 +7412,127 @@
       </p:grpSpPr>
       <p:sp>
         <p:nvSpPr>
+          <p:cNvPr id="2" name="Titel 1">
+            <a:extLst>
+              <a:ext uri="{FF2B5EF4-FFF2-40B4-BE49-F238E27FC236}">
+                <a16:creationId xmlns:a16="http://schemas.microsoft.com/office/drawing/2014/main" id="{4A682A0C-B0FB-4A50-9FD4-582F551497F5}"/>
+              </a:ext>
+            </a:extLst>
+          </p:cNvPr>
+          <p:cNvSpPr>
+            <a:spLocks noGrp="1"/>
+          </p:cNvSpPr>
+          <p:nvPr>
+            <p:ph type="title"/>
+          </p:nvPr>
+        </p:nvSpPr>
+        <p:spPr/>
+        <p:txBody>
+          <a:bodyPr/>
+          <a:lstStyle/>
+          <a:p>
+            <a:r>
+              <a:rPr lang="de-DE" dirty="0"/>
+              <a:t>Aufwandsschätzung und Verantwortungsbereiche</a:t>
+            </a:r>
+            <a:endParaRPr lang="de-AT" dirty="0"/>
+          </a:p>
+        </p:txBody>
+      </p:sp>
+      <p:pic>
+        <p:nvPicPr>
+          <p:cNvPr id="7" name="Inhaltsplatzhalter 6">
+            <a:extLst>
+              <a:ext uri="{FF2B5EF4-FFF2-40B4-BE49-F238E27FC236}">
+                <a16:creationId xmlns:a16="http://schemas.microsoft.com/office/drawing/2014/main" id="{AC2E67E0-CEB3-4191-811C-2D3852D67B83}"/>
+              </a:ext>
+            </a:extLst>
+          </p:cNvPr>
+          <p:cNvPicPr>
+            <a:picLocks noGrp="1" noChangeAspect="1"/>
+          </p:cNvPicPr>
+          <p:nvPr>
+            <p:ph idx="1"/>
+          </p:nvPr>
+        </p:nvPicPr>
+        <p:blipFill>
+          <a:blip r:embed="rId2"/>
+          <a:stretch>
+            <a:fillRect/>
+          </a:stretch>
+        </p:blipFill>
+        <p:spPr>
+          <a:xfrm>
+            <a:off x="467268" y="2199996"/>
+            <a:ext cx="8209464" cy="3233395"/>
+          </a:xfrm>
+          <a:prstGeom prst="rect">
+            <a:avLst/>
+          </a:prstGeom>
+        </p:spPr>
+      </p:pic>
+      <p:sp>
+        <p:nvSpPr>
+          <p:cNvPr id="6" name="Foliennummernplatzhalter 5">
+            <a:extLst>
+              <a:ext uri="{FF2B5EF4-FFF2-40B4-BE49-F238E27FC236}">
+                <a16:creationId xmlns:a16="http://schemas.microsoft.com/office/drawing/2014/main" id="{AC8F3A9F-59E1-4360-AD89-DC71BE8C948B}"/>
+              </a:ext>
+            </a:extLst>
+          </p:cNvPr>
+          <p:cNvSpPr>
+            <a:spLocks noGrp="1"/>
+          </p:cNvSpPr>
+          <p:nvPr>
+            <p:ph type="sldNum" sz="quarter" idx="28"/>
+          </p:nvPr>
+        </p:nvSpPr>
+        <p:spPr/>
+        <p:txBody>
+          <a:bodyPr/>
+          <a:lstStyle/>
+          <a:p>
+            <a:fld id="{2FCA2C60-3929-1D49-B29C-C60A97789EE3}" type="slidenum">
+              <a:rPr lang="en-US" smtClean="0"/>
+              <a:pPr/>
+              <a:t>2</a:t>
+            </a:fld>
+            <a:endParaRPr lang="en-US" dirty="0"/>
+          </a:p>
+        </p:txBody>
+      </p:sp>
+    </p:spTree>
+    <p:extLst>
+      <p:ext uri="{BB962C8B-B14F-4D97-AF65-F5344CB8AC3E}">
+        <p14:creationId xmlns:p14="http://schemas.microsoft.com/office/powerpoint/2010/main" val="1839568289"/>
+      </p:ext>
+    </p:extLst>
+  </p:cSld>
+  <p:clrMapOvr>
+    <a:masterClrMapping/>
+  </p:clrMapOvr>
+</p:sld>
+</file>
+
+<file path=ppt/slides/slide3.xml><?xml version="1.0" encoding="utf-8"?>
+<p:sld xmlns:a="http://schemas.openxmlformats.org/drawingml/2006/main" xmlns:r="http://schemas.openxmlformats.org/officeDocument/2006/relationships" xmlns:p="http://schemas.openxmlformats.org/presentationml/2006/main">
+  <p:cSld>
+    <p:spTree>
+      <p:nvGrpSpPr>
+        <p:cNvPr id="1" name=""/>
+        <p:cNvGrpSpPr/>
+        <p:nvPr/>
+      </p:nvGrpSpPr>
+      <p:grpSpPr>
+        <a:xfrm>
+          <a:off x="0" y="0"/>
+          <a:ext cx="0" cy="0"/>
+          <a:chOff x="0" y="0"/>
+          <a:chExt cx="0" cy="0"/>
+        </a:xfrm>
+      </p:grpSpPr>
+      <p:sp>
+        <p:nvSpPr>
           <p:cNvPr id="5" name="Titel 4">
             <a:extLst>
               <a:ext uri="{FF2B5EF4-FFF2-40B4-BE49-F238E27FC236}">
@@ -7461,96 +7605,6 @@
 </p:sld>
 </file>
 
-<file path=ppt/slides/slide3.xml><?xml version="1.0" encoding="utf-8"?>
-<p:sld xmlns:a="http://schemas.openxmlformats.org/drawingml/2006/main" xmlns:r="http://schemas.openxmlformats.org/officeDocument/2006/relationships" xmlns:p="http://schemas.openxmlformats.org/presentationml/2006/main">
-  <p:cSld>
-    <p:spTree>
-      <p:nvGrpSpPr>
-        <p:cNvPr id="1" name=""/>
-        <p:cNvGrpSpPr/>
-        <p:nvPr/>
-      </p:nvGrpSpPr>
-      <p:grpSpPr>
-        <a:xfrm>
-          <a:off x="0" y="0"/>
-          <a:ext cx="0" cy="0"/>
-          <a:chOff x="0" y="0"/>
-          <a:chExt cx="0" cy="0"/>
-        </a:xfrm>
-      </p:grpSpPr>
-      <p:sp>
-        <p:nvSpPr>
-          <p:cNvPr id="5" name="Titel 4">
-            <a:extLst>
-              <a:ext uri="{FF2B5EF4-FFF2-40B4-BE49-F238E27FC236}">
-                <a16:creationId xmlns:a16="http://schemas.microsoft.com/office/drawing/2014/main" id="{A18DC209-1287-4693-8EE3-235A9B125EA9}"/>
-              </a:ext>
-            </a:extLst>
-          </p:cNvPr>
-          <p:cNvSpPr>
-            <a:spLocks noGrp="1"/>
-          </p:cNvSpPr>
-          <p:nvPr>
-            <p:ph type="title"/>
-          </p:nvPr>
-        </p:nvSpPr>
-        <p:spPr/>
-        <p:txBody>
-          <a:bodyPr/>
-          <a:lstStyle/>
-          <a:p>
-            <a:r>
-              <a:rPr lang="de-DE" dirty="0"/>
-              <a:t>Vergleich Aufwandsschätzung und Zeiterfassung</a:t>
-            </a:r>
-            <a:endParaRPr lang="de-AT" dirty="0"/>
-          </a:p>
-        </p:txBody>
-      </p:sp>
-      <p:graphicFrame>
-        <p:nvGraphicFramePr>
-          <p:cNvPr id="8" name="Inhaltsplatzhalter 7">
-            <a:extLst>
-              <a:ext uri="{FF2B5EF4-FFF2-40B4-BE49-F238E27FC236}">
-                <a16:creationId xmlns:a16="http://schemas.microsoft.com/office/drawing/2014/main" id="{9FF0D1E7-2A38-425D-8B33-3E1B736C7B2E}"/>
-              </a:ext>
-            </a:extLst>
-          </p:cNvPr>
-          <p:cNvGraphicFramePr>
-            <a:graphicFrameLocks noGrp="1"/>
-          </p:cNvGraphicFramePr>
-          <p:nvPr>
-            <p:ph idx="1"/>
-            <p:extLst>
-              <p:ext uri="{D42A27DB-BD31-4B8C-83A1-F6EECF244321}">
-                <p14:modId xmlns:p14="http://schemas.microsoft.com/office/powerpoint/2010/main" val="1830808101"/>
-              </p:ext>
-            </p:extLst>
-          </p:nvPr>
-        </p:nvGraphicFramePr>
-        <p:xfrm>
-          <a:off x="668291" y="1590396"/>
-          <a:ext cx="7926387" cy="4427538"/>
-        </p:xfrm>
-        <a:graphic>
-          <a:graphicData uri="http://schemas.openxmlformats.org/drawingml/2006/chart">
-            <c:chart xmlns:c="http://schemas.openxmlformats.org/drawingml/2006/chart" xmlns:r="http://schemas.openxmlformats.org/officeDocument/2006/relationships" r:id="rId2"/>
-          </a:graphicData>
-        </a:graphic>
-      </p:graphicFrame>
-    </p:spTree>
-    <p:extLst>
-      <p:ext uri="{BB962C8B-B14F-4D97-AF65-F5344CB8AC3E}">
-        <p14:creationId xmlns:p14="http://schemas.microsoft.com/office/powerpoint/2010/main" val="787322798"/>
-      </p:ext>
-    </p:extLst>
-  </p:cSld>
-  <p:clrMapOvr>
-    <a:masterClrMapping/>
-  </p:clrMapOvr>
-</p:sld>
-</file>
-
 <file path=ppt/slides/slide4.xml><?xml version="1.0" encoding="utf-8"?>
 <p:sld xmlns:a="http://schemas.openxmlformats.org/drawingml/2006/main" xmlns:r="http://schemas.openxmlformats.org/officeDocument/2006/relationships" xmlns:p="http://schemas.openxmlformats.org/presentationml/2006/main">
   <p:cSld>
@@ -7570,10 +7624,10 @@
       </p:grpSpPr>
       <p:sp>
         <p:nvSpPr>
-          <p:cNvPr id="2" name="Titel 1">
+          <p:cNvPr id="5" name="Titel 4">
             <a:extLst>
               <a:ext uri="{FF2B5EF4-FFF2-40B4-BE49-F238E27FC236}">
-                <a16:creationId xmlns:a16="http://schemas.microsoft.com/office/drawing/2014/main" id="{4C65A817-2330-4366-A8CA-7506B2A6C880}"/>
+                <a16:creationId xmlns:a16="http://schemas.microsoft.com/office/drawing/2014/main" id="{A18DC209-1287-4693-8EE3-235A9B125EA9}"/>
               </a:ext>
             </a:extLst>
           </p:cNvPr>
@@ -7590,132 +7644,43 @@
           <a:lstStyle/>
           <a:p>
             <a:r>
-              <a:rPr lang="de-DE" dirty="0" err="1"/>
-              <a:t>Lessons</a:t>
-            </a:r>
-            <a:r>
               <a:rPr lang="de-DE" dirty="0"/>
-              <a:t> </a:t>
-            </a:r>
-            <a:r>
-              <a:rPr lang="de-DE" dirty="0" err="1"/>
-              <a:t>Learned</a:t>
-            </a:r>
-            <a:br>
-              <a:rPr lang="de-DE" dirty="0"/>
-            </a:br>
-            <a:r>
-              <a:rPr lang="de-DE" dirty="0"/>
-              <a:t>Gut Funktioniert</a:t>
+              <a:t>Vergleich Aufwandsschätzung und Zeiterfassung</a:t>
             </a:r>
             <a:endParaRPr lang="de-AT" dirty="0"/>
           </a:p>
         </p:txBody>
       </p:sp>
-      <p:sp>
-        <p:nvSpPr>
-          <p:cNvPr id="3" name="Inhaltsplatzhalter 2">
+      <p:graphicFrame>
+        <p:nvGraphicFramePr>
+          <p:cNvPr id="7" name="Inhaltsplatzhalter 6">
             <a:extLst>
               <a:ext uri="{FF2B5EF4-FFF2-40B4-BE49-F238E27FC236}">
-                <a16:creationId xmlns:a16="http://schemas.microsoft.com/office/drawing/2014/main" id="{5311C8E2-7E9C-4D47-9C16-2F343051C122}"/>
+                <a16:creationId xmlns:a16="http://schemas.microsoft.com/office/drawing/2014/main" id="{9FF0D1E7-2A38-425D-8B33-3E1B736C7B2E}"/>
               </a:ext>
             </a:extLst>
           </p:cNvPr>
-          <p:cNvSpPr>
-            <a:spLocks noGrp="1"/>
-          </p:cNvSpPr>
+          <p:cNvGraphicFramePr>
+            <a:graphicFrameLocks noGrp="1"/>
+          </p:cNvGraphicFramePr>
           <p:nvPr>
             <p:ph idx="1"/>
           </p:nvPr>
-        </p:nvSpPr>
-        <p:spPr/>
-        <p:txBody>
-          <a:bodyPr/>
-          <a:lstStyle/>
-          <a:p>
-            <a:r>
-              <a:rPr lang="de-DE" dirty="0"/>
-              <a:t>Werkzeuge</a:t>
-            </a:r>
-          </a:p>
-          <a:p>
-            <a:pPr lvl="1"/>
-            <a:r>
-              <a:rPr lang="de-DE" dirty="0"/>
-              <a:t>GitHub Repository zur Codeverwaltung war sehr gut und wichtig </a:t>
-            </a:r>
-          </a:p>
-          <a:p>
-            <a:pPr lvl="1"/>
-            <a:r>
-              <a:rPr lang="de-DE" dirty="0"/>
-              <a:t>Verwendung von Java war ideal, da alle Teammitglieder mit dieser Programmiersprache umgehen können</a:t>
-            </a:r>
-          </a:p>
-          <a:p>
-            <a:pPr lvl="1"/>
-            <a:endParaRPr lang="de-DE" dirty="0"/>
-          </a:p>
-          <a:p>
-            <a:r>
-              <a:rPr lang="de-DE" dirty="0"/>
-              <a:t>Kommunikation</a:t>
-            </a:r>
-          </a:p>
-          <a:p>
-            <a:pPr lvl="1"/>
-            <a:r>
-              <a:rPr lang="de-DE" dirty="0"/>
-              <a:t>WhatsApp zur Terminvereinbarung und Fragen, immer erreichbar und schnelle Antworten</a:t>
-            </a:r>
-          </a:p>
-          <a:p>
-            <a:pPr lvl="1"/>
-            <a:r>
-              <a:rPr lang="de-DE" dirty="0"/>
-              <a:t>Teamarbeit funktioniert um einiges besser als Einzelarbeit</a:t>
-            </a:r>
-          </a:p>
-          <a:p>
-            <a:pPr lvl="1"/>
-            <a:endParaRPr lang="de-AT" dirty="0"/>
-          </a:p>
-        </p:txBody>
-      </p:sp>
-      <p:sp>
-        <p:nvSpPr>
-          <p:cNvPr id="6" name="Foliennummernplatzhalter 5">
-            <a:extLst>
-              <a:ext uri="{FF2B5EF4-FFF2-40B4-BE49-F238E27FC236}">
-                <a16:creationId xmlns:a16="http://schemas.microsoft.com/office/drawing/2014/main" id="{11B21949-7105-49C5-BBF5-0E48724318E9}"/>
-              </a:ext>
-            </a:extLst>
-          </p:cNvPr>
-          <p:cNvSpPr>
-            <a:spLocks noGrp="1"/>
-          </p:cNvSpPr>
-          <p:nvPr>
-            <p:ph type="sldNum" sz="quarter" idx="28"/>
-          </p:nvPr>
-        </p:nvSpPr>
-        <p:spPr/>
-        <p:txBody>
-          <a:bodyPr/>
-          <a:lstStyle/>
-          <a:p>
-            <a:fld id="{2FCA2C60-3929-1D49-B29C-C60A97789EE3}" type="slidenum">
-              <a:rPr lang="en-US" smtClean="0"/>
-              <a:pPr/>
-              <a:t>4</a:t>
-            </a:fld>
-            <a:endParaRPr lang="en-US" dirty="0"/>
-          </a:p>
-        </p:txBody>
-      </p:sp>
+        </p:nvGraphicFramePr>
+        <p:xfrm>
+          <a:off x="547688" y="1778000"/>
+          <a:ext cx="7926387" cy="4427538"/>
+        </p:xfrm>
+        <a:graphic>
+          <a:graphicData uri="http://schemas.openxmlformats.org/drawingml/2006/chart">
+            <c:chart xmlns:c="http://schemas.openxmlformats.org/drawingml/2006/chart" xmlns:r="http://schemas.openxmlformats.org/officeDocument/2006/relationships" r:id="rId2"/>
+          </a:graphicData>
+        </a:graphic>
+      </p:graphicFrame>
     </p:spTree>
     <p:extLst>
       <p:ext uri="{BB962C8B-B14F-4D97-AF65-F5344CB8AC3E}">
-        <p14:creationId xmlns:p14="http://schemas.microsoft.com/office/powerpoint/2010/main" val="2287061527"/>
+        <p14:creationId xmlns:p14="http://schemas.microsoft.com/office/powerpoint/2010/main" val="787322798"/>
       </p:ext>
     </p:extLst>
   </p:cSld>
@@ -7747,7 +7712,7 @@
           <p:cNvPr id="2" name="Titel 1">
             <a:extLst>
               <a:ext uri="{FF2B5EF4-FFF2-40B4-BE49-F238E27FC236}">
-                <a16:creationId xmlns:a16="http://schemas.microsoft.com/office/drawing/2014/main" id="{23F4245F-6604-456B-9F58-AD8ACFF07416}"/>
+                <a16:creationId xmlns:a16="http://schemas.microsoft.com/office/drawing/2014/main" id="{4C65A817-2330-4366-A8CA-7506B2A6C880}"/>
               </a:ext>
             </a:extLst>
           </p:cNvPr>
@@ -7780,7 +7745,7 @@
             </a:br>
             <a:r>
               <a:rPr lang="de-DE" dirty="0"/>
-              <a:t>Weniger Gut Funktioniert</a:t>
+              <a:t>Gut Funktioniert</a:t>
             </a:r>
             <a:endParaRPr lang="de-AT" dirty="0"/>
           </a:p>
@@ -7791,7 +7756,7 @@
           <p:cNvPr id="3" name="Inhaltsplatzhalter 2">
             <a:extLst>
               <a:ext uri="{FF2B5EF4-FFF2-40B4-BE49-F238E27FC236}">
-                <a16:creationId xmlns:a16="http://schemas.microsoft.com/office/drawing/2014/main" id="{716D2C79-47AF-4528-8215-6D69D12A5274}"/>
+                <a16:creationId xmlns:a16="http://schemas.microsoft.com/office/drawing/2014/main" id="{5311C8E2-7E9C-4D47-9C16-2F343051C122}"/>
               </a:ext>
             </a:extLst>
           </p:cNvPr>
@@ -7809,21 +7774,21 @@
           <a:p>
             <a:r>
               <a:rPr lang="de-DE" dirty="0"/>
-              <a:t>Planung</a:t>
+              <a:t>Werkzeuge</a:t>
             </a:r>
           </a:p>
           <a:p>
             <a:pPr lvl="1"/>
             <a:r>
               <a:rPr lang="de-DE" dirty="0"/>
-              <a:t>Zu wenig Zeit für Planung &amp; Organisation sowie Dokumentation eingeplant </a:t>
+              <a:t>GitHub Repository zur Codeverwaltung war sehr gut und wichtig </a:t>
             </a:r>
           </a:p>
           <a:p>
             <a:pPr lvl="1"/>
             <a:r>
               <a:rPr lang="de-DE" dirty="0"/>
-              <a:t>Gelernt: In Zukunft mehr Zeit am Anfang eines Projektes investieren, wie für den konzeptuellen Entwurf, würde die Implementierung enorm erleichtern und wurde etwas unterschätzt</a:t>
+              <a:t>Verwendung von Java war ideal, da alle Teammitglieder mit dieser Programmiersprache umgehen können</a:t>
             </a:r>
           </a:p>
           <a:p>
@@ -7833,29 +7798,25 @@
           <a:p>
             <a:r>
               <a:rPr lang="de-DE" dirty="0"/>
-              <a:t>Verständnis der Aufgabenstellung und des Codes</a:t>
+              <a:t>Kommunikation</a:t>
             </a:r>
           </a:p>
           <a:p>
             <a:pPr lvl="1"/>
             <a:r>
               <a:rPr lang="de-DE" dirty="0"/>
-              <a:t>Komplexität des Codes wurde lange nicht verstanden</a:t>
+              <a:t>WhatsApp zur Terminvereinbarung und Fragen, immer erreichbar und schnelle Antworten</a:t>
             </a:r>
           </a:p>
           <a:p>
             <a:pPr lvl="1"/>
             <a:r>
               <a:rPr lang="de-DE" dirty="0"/>
-              <a:t>Die genaue Aufgabenstellung war lange sehr unklar</a:t>
+              <a:t>Teamarbeit funktioniert um einiges besser als Einzelarbeit</a:t>
             </a:r>
           </a:p>
           <a:p>
             <a:pPr lvl="1"/>
-            <a:r>
-              <a:rPr lang="de-DE" dirty="0"/>
-              <a:t>Gelernt: Früher Kontakt zum LVA Leiter suchen um Unklarheiten und Fragen zu klären</a:t>
-            </a:r>
             <a:endParaRPr lang="de-AT" dirty="0"/>
           </a:p>
         </p:txBody>
@@ -7865,7 +7826,7 @@
           <p:cNvPr id="6" name="Foliennummernplatzhalter 5">
             <a:extLst>
               <a:ext uri="{FF2B5EF4-FFF2-40B4-BE49-F238E27FC236}">
-                <a16:creationId xmlns:a16="http://schemas.microsoft.com/office/drawing/2014/main" id="{9A2DF4B0-5CCD-49F2-A817-3F21C140779B}"/>
+                <a16:creationId xmlns:a16="http://schemas.microsoft.com/office/drawing/2014/main" id="{11B21949-7105-49C5-BBF5-0E48724318E9}"/>
               </a:ext>
             </a:extLst>
           </p:cNvPr>
@@ -7893,7 +7854,7 @@
     </p:spTree>
     <p:extLst>
       <p:ext uri="{BB962C8B-B14F-4D97-AF65-F5344CB8AC3E}">
-        <p14:creationId xmlns:p14="http://schemas.microsoft.com/office/powerpoint/2010/main" val="1237992807"/>
+        <p14:creationId xmlns:p14="http://schemas.microsoft.com/office/powerpoint/2010/main" val="2287061527"/>
       </p:ext>
     </p:extLst>
   </p:cSld>
@@ -7925,7 +7886,7 @@
           <p:cNvPr id="2" name="Titel 1">
             <a:extLst>
               <a:ext uri="{FF2B5EF4-FFF2-40B4-BE49-F238E27FC236}">
-                <a16:creationId xmlns:a16="http://schemas.microsoft.com/office/drawing/2014/main" id="{31D21C00-19DA-44E4-938F-E698E110FB45}"/>
+                <a16:creationId xmlns:a16="http://schemas.microsoft.com/office/drawing/2014/main" id="{23F4245F-6604-456B-9F58-AD8ACFF07416}"/>
               </a:ext>
             </a:extLst>
           </p:cNvPr>
@@ -7942,8 +7903,23 @@
           <a:lstStyle/>
           <a:p>
             <a:r>
+              <a:rPr lang="de-DE" dirty="0" err="1"/>
+              <a:t>Lessons</a:t>
+            </a:r>
+            <a:r>
               <a:rPr lang="de-DE" dirty="0"/>
-              <a:t>Anmerkungen zur Abgabe</a:t>
+              <a:t> </a:t>
+            </a:r>
+            <a:r>
+              <a:rPr lang="de-DE" dirty="0" err="1"/>
+              <a:t>Learned</a:t>
+            </a:r>
+            <a:br>
+              <a:rPr lang="de-DE" dirty="0"/>
+            </a:br>
+            <a:r>
+              <a:rPr lang="de-DE" dirty="0"/>
+              <a:t>Weniger Gut Funktioniert</a:t>
             </a:r>
             <a:endParaRPr lang="de-AT" dirty="0"/>
           </a:p>
@@ -7954,7 +7930,7 @@
           <p:cNvPr id="3" name="Inhaltsplatzhalter 2">
             <a:extLst>
               <a:ext uri="{FF2B5EF4-FFF2-40B4-BE49-F238E27FC236}">
-                <a16:creationId xmlns:a16="http://schemas.microsoft.com/office/drawing/2014/main" id="{1DDAF0F5-8B16-4079-B8EA-0DE9316C6E3C}"/>
+                <a16:creationId xmlns:a16="http://schemas.microsoft.com/office/drawing/2014/main" id="{716D2C79-47AF-4528-8215-6D69D12A5274}"/>
               </a:ext>
             </a:extLst>
           </p:cNvPr>
@@ -7972,30 +7948,21 @@
           <a:p>
             <a:r>
               <a:rPr lang="de-DE" dirty="0"/>
-              <a:t>Abgabe des Java Projects und einer </a:t>
-            </a:r>
-            <a:r>
-              <a:rPr lang="de-DE" dirty="0" err="1"/>
-              <a:t>Runnable</a:t>
-            </a:r>
+              <a:t>Planung</a:t>
+            </a:r>
+          </a:p>
+          <a:p>
+            <a:pPr lvl="1"/>
             <a:r>
               <a:rPr lang="de-DE" dirty="0"/>
-              <a:t> </a:t>
-            </a:r>
-            <a:r>
-              <a:rPr lang="de-DE" dirty="0" err="1"/>
-              <a:t>Jar</a:t>
-            </a:r>
+              <a:t>Zu wenig Zeit für Planung &amp; Organisation sowie Dokumentation eingeplant </a:t>
+            </a:r>
+          </a:p>
+          <a:p>
+            <a:pPr lvl="1"/>
             <a:r>
               <a:rPr lang="de-DE" dirty="0"/>
-              <a:t> Datei zur Ausführung des Codes</a:t>
-            </a:r>
-          </a:p>
-          <a:p>
-            <a:pPr lvl="1"/>
-            <a:r>
-              <a:rPr lang="de-DE" dirty="0"/>
-              <a:t>Wie bei Meilenstein Implementierung</a:t>
+              <a:t>Gelernt: In Zukunft mehr Zeit am Anfang eines Projektes investieren, wie für den konzeptuellen Entwurf, würde die Implementierung enorm erleichtern und wurde etwas unterschätzt</a:t>
             </a:r>
           </a:p>
           <a:p>
@@ -8005,29 +7972,29 @@
           <a:p>
             <a:r>
               <a:rPr lang="de-DE" dirty="0"/>
-              <a:t>Finale Version der Zeiterfassung als Excel Tabelle	</a:t>
+              <a:t>Verständnis der Aufgabenstellung und des Codes</a:t>
             </a:r>
           </a:p>
           <a:p>
             <a:pPr lvl="1"/>
             <a:r>
               <a:rPr lang="de-DE" dirty="0"/>
-              <a:t>Jedes Teammitglied hat eigenes Tabellenblatt</a:t>
+              <a:t>Komplexität des Codes wurde lange nicht verstanden</a:t>
             </a:r>
           </a:p>
           <a:p>
             <a:pPr lvl="1"/>
             <a:r>
               <a:rPr lang="de-DE" dirty="0"/>
-              <a:t>Gesamtübersicht und grafische Verteilung der Stunden in eigenem Tabellenblatt</a:t>
+              <a:t>Die genaue Aufgabenstellung war lange sehr unklar</a:t>
             </a:r>
           </a:p>
           <a:p>
             <a:pPr lvl="1"/>
-            <a:endParaRPr lang="de-DE" dirty="0"/>
-          </a:p>
-          <a:p>
-            <a:pPr lvl="1"/>
+            <a:r>
+              <a:rPr lang="de-DE" dirty="0"/>
+              <a:t>Gelernt: Früher Kontakt zum LVA Leiter suchen um Unklarheiten und Fragen zu klären</a:t>
+            </a:r>
             <a:endParaRPr lang="de-AT" dirty="0"/>
           </a:p>
         </p:txBody>
@@ -8037,7 +8004,7 @@
           <p:cNvPr id="6" name="Foliennummernplatzhalter 5">
             <a:extLst>
               <a:ext uri="{FF2B5EF4-FFF2-40B4-BE49-F238E27FC236}">
-                <a16:creationId xmlns:a16="http://schemas.microsoft.com/office/drawing/2014/main" id="{279035B8-7AC3-4738-8690-A9A6D38AABF3}"/>
+                <a16:creationId xmlns:a16="http://schemas.microsoft.com/office/drawing/2014/main" id="{9A2DF4B0-5CCD-49F2-A817-3F21C140779B}"/>
               </a:ext>
             </a:extLst>
           </p:cNvPr>
@@ -8065,7 +8032,7 @@
     </p:spTree>
     <p:extLst>
       <p:ext uri="{BB962C8B-B14F-4D97-AF65-F5344CB8AC3E}">
-        <p14:creationId xmlns:p14="http://schemas.microsoft.com/office/powerpoint/2010/main" val="3038075436"/>
+        <p14:creationId xmlns:p14="http://schemas.microsoft.com/office/powerpoint/2010/main" val="1237992807"/>
       </p:ext>
     </p:extLst>
   </p:cSld>
@@ -8097,6 +8064,178 @@
           <p:cNvPr id="2" name="Titel 1">
             <a:extLst>
               <a:ext uri="{FF2B5EF4-FFF2-40B4-BE49-F238E27FC236}">
+                <a16:creationId xmlns:a16="http://schemas.microsoft.com/office/drawing/2014/main" id="{31D21C00-19DA-44E4-938F-E698E110FB45}"/>
+              </a:ext>
+            </a:extLst>
+          </p:cNvPr>
+          <p:cNvSpPr>
+            <a:spLocks noGrp="1"/>
+          </p:cNvSpPr>
+          <p:nvPr>
+            <p:ph type="title"/>
+          </p:nvPr>
+        </p:nvSpPr>
+        <p:spPr/>
+        <p:txBody>
+          <a:bodyPr/>
+          <a:lstStyle/>
+          <a:p>
+            <a:r>
+              <a:rPr lang="de-DE" dirty="0"/>
+              <a:t>Anmerkungen zur Abgabe</a:t>
+            </a:r>
+            <a:endParaRPr lang="de-AT" dirty="0"/>
+          </a:p>
+        </p:txBody>
+      </p:sp>
+      <p:sp>
+        <p:nvSpPr>
+          <p:cNvPr id="3" name="Inhaltsplatzhalter 2">
+            <a:extLst>
+              <a:ext uri="{FF2B5EF4-FFF2-40B4-BE49-F238E27FC236}">
+                <a16:creationId xmlns:a16="http://schemas.microsoft.com/office/drawing/2014/main" id="{1DDAF0F5-8B16-4079-B8EA-0DE9316C6E3C}"/>
+              </a:ext>
+            </a:extLst>
+          </p:cNvPr>
+          <p:cNvSpPr>
+            <a:spLocks noGrp="1"/>
+          </p:cNvSpPr>
+          <p:nvPr>
+            <p:ph idx="1"/>
+          </p:nvPr>
+        </p:nvSpPr>
+        <p:spPr/>
+        <p:txBody>
+          <a:bodyPr/>
+          <a:lstStyle/>
+          <a:p>
+            <a:r>
+              <a:rPr lang="de-DE" dirty="0"/>
+              <a:t>Abgabe des Java Projects und einer </a:t>
+            </a:r>
+            <a:r>
+              <a:rPr lang="de-DE" dirty="0" err="1"/>
+              <a:t>Runnable</a:t>
+            </a:r>
+            <a:r>
+              <a:rPr lang="de-DE" dirty="0"/>
+              <a:t> </a:t>
+            </a:r>
+            <a:r>
+              <a:rPr lang="de-DE" dirty="0" err="1"/>
+              <a:t>Jar</a:t>
+            </a:r>
+            <a:r>
+              <a:rPr lang="de-DE" dirty="0"/>
+              <a:t> Datei zur Ausführung des Codes</a:t>
+            </a:r>
+          </a:p>
+          <a:p>
+            <a:pPr lvl="1"/>
+            <a:r>
+              <a:rPr lang="de-DE" dirty="0"/>
+              <a:t>Wie bei Meilenstein Implementierung</a:t>
+            </a:r>
+          </a:p>
+          <a:p>
+            <a:pPr lvl="1"/>
+            <a:endParaRPr lang="de-DE" dirty="0"/>
+          </a:p>
+          <a:p>
+            <a:r>
+              <a:rPr lang="de-DE" dirty="0"/>
+              <a:t>Finale Version der Zeiterfassung als Excel Tabelle	</a:t>
+            </a:r>
+          </a:p>
+          <a:p>
+            <a:pPr lvl="1"/>
+            <a:r>
+              <a:rPr lang="de-DE" dirty="0"/>
+              <a:t>Jedes Teammitglied hat eigenes Tabellenblatt</a:t>
+            </a:r>
+          </a:p>
+          <a:p>
+            <a:pPr lvl="1"/>
+            <a:r>
+              <a:rPr lang="de-DE" dirty="0"/>
+              <a:t>Gesamtübersicht und grafische Verteilung der Stunden in eigenem Tabellenblatt</a:t>
+            </a:r>
+          </a:p>
+          <a:p>
+            <a:pPr lvl="1"/>
+            <a:endParaRPr lang="de-DE" dirty="0"/>
+          </a:p>
+          <a:p>
+            <a:pPr lvl="1"/>
+            <a:endParaRPr lang="de-AT" dirty="0"/>
+          </a:p>
+        </p:txBody>
+      </p:sp>
+      <p:sp>
+        <p:nvSpPr>
+          <p:cNvPr id="6" name="Foliennummernplatzhalter 5">
+            <a:extLst>
+              <a:ext uri="{FF2B5EF4-FFF2-40B4-BE49-F238E27FC236}">
+                <a16:creationId xmlns:a16="http://schemas.microsoft.com/office/drawing/2014/main" id="{279035B8-7AC3-4738-8690-A9A6D38AABF3}"/>
+              </a:ext>
+            </a:extLst>
+          </p:cNvPr>
+          <p:cNvSpPr>
+            <a:spLocks noGrp="1"/>
+          </p:cNvSpPr>
+          <p:nvPr>
+            <p:ph type="sldNum" sz="quarter" idx="28"/>
+          </p:nvPr>
+        </p:nvSpPr>
+        <p:spPr/>
+        <p:txBody>
+          <a:bodyPr/>
+          <a:lstStyle/>
+          <a:p>
+            <a:fld id="{2FCA2C60-3929-1D49-B29C-C60A97789EE3}" type="slidenum">
+              <a:rPr lang="en-US" smtClean="0"/>
+              <a:pPr/>
+              <a:t>7</a:t>
+            </a:fld>
+            <a:endParaRPr lang="en-US" dirty="0"/>
+          </a:p>
+        </p:txBody>
+      </p:sp>
+    </p:spTree>
+    <p:extLst>
+      <p:ext uri="{BB962C8B-B14F-4D97-AF65-F5344CB8AC3E}">
+        <p14:creationId xmlns:p14="http://schemas.microsoft.com/office/powerpoint/2010/main" val="3038075436"/>
+      </p:ext>
+    </p:extLst>
+  </p:cSld>
+  <p:clrMapOvr>
+    <a:masterClrMapping/>
+  </p:clrMapOvr>
+</p:sld>
+</file>
+
+<file path=ppt/slides/slide8.xml><?xml version="1.0" encoding="utf-8"?>
+<p:sld xmlns:a="http://schemas.openxmlformats.org/drawingml/2006/main" xmlns:r="http://schemas.openxmlformats.org/officeDocument/2006/relationships" xmlns:p="http://schemas.openxmlformats.org/presentationml/2006/main">
+  <p:cSld>
+    <p:spTree>
+      <p:nvGrpSpPr>
+        <p:cNvPr id="1" name=""/>
+        <p:cNvGrpSpPr/>
+        <p:nvPr/>
+      </p:nvGrpSpPr>
+      <p:grpSpPr>
+        <a:xfrm>
+          <a:off x="0" y="0"/>
+          <a:ext cx="0" cy="0"/>
+          <a:chOff x="0" y="0"/>
+          <a:chExt cx="0" cy="0"/>
+        </a:xfrm>
+      </p:grpSpPr>
+      <p:sp>
+        <p:nvSpPr>
+          <p:cNvPr id="2" name="Titel 1">
+            <a:extLst>
+              <a:ext uri="{FF2B5EF4-FFF2-40B4-BE49-F238E27FC236}">
                 <a16:creationId xmlns:a16="http://schemas.microsoft.com/office/drawing/2014/main" id="{03641EAD-FBA0-42FA-84C9-BA5832842BF6}"/>
               </a:ext>
             </a:extLst>
@@ -8234,7 +8373,7 @@
             <a:fld id="{2FCA2C60-3929-1D49-B29C-C60A97789EE3}" type="slidenum">
               <a:rPr lang="en-US" smtClean="0"/>
               <a:pPr/>
-              <a:t>7</a:t>
+              <a:t>8</a:t>
             </a:fld>
             <a:endParaRPr lang="en-US" dirty="0"/>
           </a:p>

--- a/Dokumente/Projektabschluss/Endabgabe_Projektabschluss.pptx
+++ b/Dokumente/Projektabschluss/Endabgabe_Projektabschluss.pptx
@@ -175,14 +175,7 @@
           <c:invertIfNegative val="0"/>
           <c:cat>
             <c:strRef>
-              <c:extLst>
-                <c:ext xmlns:c15="http://schemas.microsoft.com/office/drawing/2012/chart" uri="{02D57815-91ED-43cb-92C2-25804820EDAC}">
-                  <c15:fullRef>
-                    <c15:sqref>Vergleich_Aufwandsschätzung!$B$3:$B$14</c15:sqref>
-                  </c15:fullRef>
-                </c:ext>
-              </c:extLst>
-              <c:f>(Vergleich_Aufwandsschätzung!$B$3:$B$4,Vergleich_Aufwandsschätzung!$B$6:$B$14)</c:f>
+              <c:f>Vergleich_Aufwandsschätzung!$B$3:$B$14</c:f>
               <c:strCache>
                 <c:ptCount val="11"/>
                 <c:pt idx="0">
@@ -219,18 +212,12 @@
                   <c:v>Schnittstelle Datenspeicherung</c:v>
                 </c:pt>
               </c:strCache>
+              <c:extLst/>
             </c:strRef>
           </c:cat>
           <c:val>
             <c:numRef>
-              <c:extLst>
-                <c:ext xmlns:c15="http://schemas.microsoft.com/office/drawing/2012/chart" uri="{02D57815-91ED-43cb-92C2-25804820EDAC}">
-                  <c15:fullRef>
-                    <c15:sqref>Vergleich_Aufwandsschätzung!$C$3:$C$14</c15:sqref>
-                  </c15:fullRef>
-                </c:ext>
-              </c:extLst>
-              <c:f>(Vergleich_Aufwandsschätzung!$C$3:$C$4,Vergleich_Aufwandsschätzung!$C$6:$C$14)</c:f>
+              <c:f>Vergleich_Aufwandsschätzung!$C$3:$C$14</c:f>
               <c:numCache>
                 <c:formatCode>General</c:formatCode>
                 <c:ptCount val="11"/>
@@ -268,6 +255,7 @@
                   <c:v>30</c:v>
                 </c:pt>
               </c:numCache>
+              <c:extLst/>
             </c:numRef>
           </c:val>
           <c:extLst>
@@ -302,14 +290,7 @@
           <c:invertIfNegative val="0"/>
           <c:cat>
             <c:strRef>
-              <c:extLst>
-                <c:ext xmlns:c15="http://schemas.microsoft.com/office/drawing/2012/chart" uri="{02D57815-91ED-43cb-92C2-25804820EDAC}">
-                  <c15:fullRef>
-                    <c15:sqref>Vergleich_Aufwandsschätzung!$B$3:$B$14</c15:sqref>
-                  </c15:fullRef>
-                </c:ext>
-              </c:extLst>
-              <c:f>(Vergleich_Aufwandsschätzung!$B$3:$B$4,Vergleich_Aufwandsschätzung!$B$6:$B$14)</c:f>
+              <c:f>Vergleich_Aufwandsschätzung!$B$3:$B$14</c:f>
               <c:strCache>
                 <c:ptCount val="11"/>
                 <c:pt idx="0">
@@ -346,18 +327,12 @@
                   <c:v>Schnittstelle Datenspeicherung</c:v>
                 </c:pt>
               </c:strCache>
+              <c:extLst/>
             </c:strRef>
           </c:cat>
           <c:val>
             <c:numRef>
-              <c:extLst>
-                <c:ext xmlns:c15="http://schemas.microsoft.com/office/drawing/2012/chart" uri="{02D57815-91ED-43cb-92C2-25804820EDAC}">
-                  <c15:fullRef>
-                    <c15:sqref>Vergleich_Aufwandsschätzung!$D$3:$D$14</c15:sqref>
-                  </c15:fullRef>
-                </c:ext>
-              </c:extLst>
-              <c:f>(Vergleich_Aufwandsschätzung!$D$3:$D$4,Vergleich_Aufwandsschätzung!$D$6:$D$14)</c:f>
+              <c:f>Vergleich_Aufwandsschätzung!$D$3:$D$14</c:f>
               <c:numCache>
                 <c:formatCode>General</c:formatCode>
                 <c:ptCount val="11"/>
@@ -395,6 +370,7 @@
                   <c:v>42</c:v>
                 </c:pt>
               </c:numCache>
+              <c:extLst/>
             </c:numRef>
           </c:val>
           <c:extLst>
@@ -7897,7 +7873,12 @@
             <p:ph type="title"/>
           </p:nvPr>
         </p:nvSpPr>
-        <p:spPr/>
+        <p:spPr>
+          <a:xfrm>
+            <a:off x="602903" y="662470"/>
+            <a:ext cx="7938194" cy="938696"/>
+          </a:xfrm>
+        </p:spPr>
         <p:txBody>
           <a:bodyPr/>
           <a:lstStyle/>
@@ -7941,7 +7922,12 @@
             <p:ph idx="1"/>
           </p:nvPr>
         </p:nvSpPr>
-        <p:spPr/>
+        <p:spPr>
+          <a:xfrm>
+            <a:off x="419633" y="1756206"/>
+            <a:ext cx="7925378" cy="5230520"/>
+          </a:xfrm>
+        </p:spPr>
         <p:txBody>
           <a:bodyPr/>
           <a:lstStyle/>
@@ -7962,12 +7948,8 @@
             <a:pPr lvl="1"/>
             <a:r>
               <a:rPr lang="de-DE" dirty="0"/>
-              <a:t>Gelernt: In Zukunft mehr Zeit am Anfang eines Projektes investieren, wie für den konzeptuellen Entwurf, würde die Implementierung enorm erleichtern und wurde etwas unterschätzt</a:t>
-            </a:r>
-          </a:p>
-          <a:p>
-            <a:pPr lvl="1"/>
-            <a:endParaRPr lang="de-DE" dirty="0"/>
+              <a:t>Gelernt: In Zukunft mehr Zeit am Anfang eines Projektes investieren, wie für den konzeptuellen Entwurf, dessen Auswirkung auf die späteren Phasen unterschätzt wurde. Dies würde die Implementierung enorm erleichtern.  </a:t>
+            </a:r>
           </a:p>
           <a:p>
             <a:r>
@@ -7995,6 +7977,11 @@
               <a:rPr lang="de-DE" dirty="0"/>
               <a:t>Gelernt: Früher Kontakt zum LVA Leiter suchen um Unklarheiten und Fragen zu klären</a:t>
             </a:r>
+          </a:p>
+          <a:p>
+            <a:pPr marL="324000" lvl="1" indent="0">
+              <a:buNone/>
+            </a:pPr>
             <a:endParaRPr lang="de-AT" dirty="0"/>
           </a:p>
         </p:txBody>

--- a/Dokumente/Projektabschluss/Endabgabe_Projektabschluss.pptx
+++ b/Dokumente/Projektabschluss/Endabgabe_Projektabschluss.pptx
@@ -175,7 +175,14 @@
           <c:invertIfNegative val="0"/>
           <c:cat>
             <c:strRef>
-              <c:f>Vergleich_Aufwandsschätzung!$B$3:$B$14</c:f>
+              <c:extLst>
+                <c:ext xmlns:c15="http://schemas.microsoft.com/office/drawing/2012/chart" uri="{02D57815-91ED-43cb-92C2-25804820EDAC}">
+                  <c15:fullRef>
+                    <c15:sqref>Vergleich_Aufwandsschätzung!$B$3:$B$14</c15:sqref>
+                  </c15:fullRef>
+                </c:ext>
+              </c:extLst>
+              <c:f>(Vergleich_Aufwandsschätzung!$B$3:$B$4,Vergleich_Aufwandsschätzung!$B$6:$B$14)</c:f>
               <c:strCache>
                 <c:ptCount val="11"/>
                 <c:pt idx="0">
@@ -212,12 +219,18 @@
                   <c:v>Schnittstelle Datenspeicherung</c:v>
                 </c:pt>
               </c:strCache>
-              <c:extLst/>
             </c:strRef>
           </c:cat>
           <c:val>
             <c:numRef>
-              <c:f>Vergleich_Aufwandsschätzung!$C$3:$C$14</c:f>
+              <c:extLst>
+                <c:ext xmlns:c15="http://schemas.microsoft.com/office/drawing/2012/chart" uri="{02D57815-91ED-43cb-92C2-25804820EDAC}">
+                  <c15:fullRef>
+                    <c15:sqref>Vergleich_Aufwandsschätzung!$C$3:$C$14</c15:sqref>
+                  </c15:fullRef>
+                </c:ext>
+              </c:extLst>
+              <c:f>(Vergleich_Aufwandsschätzung!$C$3:$C$4,Vergleich_Aufwandsschätzung!$C$6:$C$14)</c:f>
               <c:numCache>
                 <c:formatCode>General</c:formatCode>
                 <c:ptCount val="11"/>
@@ -255,7 +268,6 @@
                   <c:v>30</c:v>
                 </c:pt>
               </c:numCache>
-              <c:extLst/>
             </c:numRef>
           </c:val>
           <c:extLst>
@@ -290,7 +302,14 @@
           <c:invertIfNegative val="0"/>
           <c:cat>
             <c:strRef>
-              <c:f>Vergleich_Aufwandsschätzung!$B$3:$B$14</c:f>
+              <c:extLst>
+                <c:ext xmlns:c15="http://schemas.microsoft.com/office/drawing/2012/chart" uri="{02D57815-91ED-43cb-92C2-25804820EDAC}">
+                  <c15:fullRef>
+                    <c15:sqref>Vergleich_Aufwandsschätzung!$B$3:$B$14</c15:sqref>
+                  </c15:fullRef>
+                </c:ext>
+              </c:extLst>
+              <c:f>(Vergleich_Aufwandsschätzung!$B$3:$B$4,Vergleich_Aufwandsschätzung!$B$6:$B$14)</c:f>
               <c:strCache>
                 <c:ptCount val="11"/>
                 <c:pt idx="0">
@@ -327,12 +346,18 @@
                   <c:v>Schnittstelle Datenspeicherung</c:v>
                 </c:pt>
               </c:strCache>
-              <c:extLst/>
             </c:strRef>
           </c:cat>
           <c:val>
             <c:numRef>
-              <c:f>Vergleich_Aufwandsschätzung!$D$3:$D$14</c:f>
+              <c:extLst>
+                <c:ext xmlns:c15="http://schemas.microsoft.com/office/drawing/2012/chart" uri="{02D57815-91ED-43cb-92C2-25804820EDAC}">
+                  <c15:fullRef>
+                    <c15:sqref>Vergleich_Aufwandsschätzung!$D$3:$D$14</c15:sqref>
+                  </c15:fullRef>
+                </c:ext>
+              </c:extLst>
+              <c:f>(Vergleich_Aufwandsschätzung!$D$3:$D$4,Vergleich_Aufwandsschätzung!$D$6:$D$14)</c:f>
               <c:numCache>
                 <c:formatCode>General</c:formatCode>
                 <c:ptCount val="11"/>
@@ -370,7 +395,6 @@
                   <c:v>42</c:v>
                 </c:pt>
               </c:numCache>
-              <c:extLst/>
             </c:numRef>
           </c:val>
           <c:extLst>
@@ -7873,12 +7897,7 @@
             <p:ph type="title"/>
           </p:nvPr>
         </p:nvSpPr>
-        <p:spPr>
-          <a:xfrm>
-            <a:off x="602903" y="662470"/>
-            <a:ext cx="7938194" cy="938696"/>
-          </a:xfrm>
-        </p:spPr>
+        <p:spPr/>
         <p:txBody>
           <a:bodyPr/>
           <a:lstStyle/>
@@ -7922,12 +7941,7 @@
             <p:ph idx="1"/>
           </p:nvPr>
         </p:nvSpPr>
-        <p:spPr>
-          <a:xfrm>
-            <a:off x="419633" y="1756206"/>
-            <a:ext cx="7925378" cy="5230520"/>
-          </a:xfrm>
-        </p:spPr>
+        <p:spPr/>
         <p:txBody>
           <a:bodyPr/>
           <a:lstStyle/>
@@ -7948,8 +7962,12 @@
             <a:pPr lvl="1"/>
             <a:r>
               <a:rPr lang="de-DE" dirty="0"/>
-              <a:t>Gelernt: In Zukunft mehr Zeit am Anfang eines Projektes investieren, wie für den konzeptuellen Entwurf, dessen Auswirkung auf die späteren Phasen unterschätzt wurde. Dies würde die Implementierung enorm erleichtern.  </a:t>
-            </a:r>
+              <a:t>Gelernt: In Zukunft mehr Zeit am Anfang eines Projektes investieren, wie für den konzeptuellen Entwurf, würde die Implementierung enorm erleichtern und wurde etwas unterschätzt</a:t>
+            </a:r>
+          </a:p>
+          <a:p>
+            <a:pPr lvl="1"/>
+            <a:endParaRPr lang="de-DE" dirty="0"/>
           </a:p>
           <a:p>
             <a:r>
@@ -7977,11 +7995,6 @@
               <a:rPr lang="de-DE" dirty="0"/>
               <a:t>Gelernt: Früher Kontakt zum LVA Leiter suchen um Unklarheiten und Fragen zu klären</a:t>
             </a:r>
-          </a:p>
-          <a:p>
-            <a:pPr marL="324000" lvl="1" indent="0">
-              <a:buNone/>
-            </a:pPr>
             <a:endParaRPr lang="de-AT" dirty="0"/>
           </a:p>
         </p:txBody>

--- a/Dokumente/Projektabschluss/Endabgabe_Projektabschluss.pptx
+++ b/Dokumente/Projektabschluss/Endabgabe_Projektabschluss.pptx
@@ -5,10 +5,10 @@
     <p:sldMasterId id="2147483660" r:id="rId1"/>
   </p:sldMasterIdLst>
   <p:notesMasterIdLst>
-    <p:notesMasterId r:id="rId10"/>
+    <p:notesMasterId r:id="rId11"/>
   </p:notesMasterIdLst>
   <p:handoutMasterIdLst>
-    <p:handoutMasterId r:id="rId11"/>
+    <p:handoutMasterId r:id="rId12"/>
   </p:handoutMasterIdLst>
   <p:sldIdLst>
     <p:sldId id="257" r:id="rId2"/>
@@ -17,8 +17,9 @@
     <p:sldId id="260" r:id="rId5"/>
     <p:sldId id="259" r:id="rId6"/>
     <p:sldId id="261" r:id="rId7"/>
-    <p:sldId id="262" r:id="rId8"/>
-    <p:sldId id="263" r:id="rId9"/>
+    <p:sldId id="265" r:id="rId8"/>
+    <p:sldId id="262" r:id="rId9"/>
+    <p:sldId id="263" r:id="rId10"/>
   </p:sldIdLst>
   <p:sldSz cx="9144000" cy="6858000" type="screen4x3"/>
   <p:notesSz cx="7102475" cy="10234613"/>
@@ -8069,7 +8070,7 @@
           <a:p>
             <a:r>
               <a:rPr lang="de-DE" dirty="0"/>
-              <a:t>Anmerkungen zur Abgabe</a:t>
+              <a:t>Anmerkungen zur JUPYTER</a:t>
             </a:r>
             <a:endParaRPr lang="de-AT" dirty="0"/>
           </a:p>
@@ -8091,62 +8092,108 @@
             <p:ph idx="1"/>
           </p:nvPr>
         </p:nvSpPr>
-        <p:spPr/>
+        <p:spPr>
+          <a:xfrm>
+            <a:off x="549322" y="1413411"/>
+            <a:ext cx="7925378" cy="4428658"/>
+          </a:xfrm>
+        </p:spPr>
         <p:txBody>
           <a:bodyPr/>
           <a:lstStyle/>
           <a:p>
             <a:r>
               <a:rPr lang="de-DE" dirty="0"/>
-              <a:t>Abgabe des Java Projects und einer </a:t>
+              <a:t>Positive</a:t>
+            </a:r>
+          </a:p>
+          <a:p>
+            <a:pPr lvl="1"/>
+            <a:r>
+              <a:rPr lang="de-DE" dirty="0"/>
+              <a:t>Das Testen der Syntax funktionierte sehr gut</a:t>
+            </a:r>
+          </a:p>
+          <a:p>
+            <a:pPr lvl="1"/>
+            <a:r>
+              <a:rPr lang="de-DE" dirty="0"/>
+              <a:t>Es wurden keine Bugs bei der Bedienung gefunden</a:t>
+            </a:r>
+          </a:p>
+          <a:p>
+            <a:r>
+              <a:rPr lang="de-DE" dirty="0"/>
+              <a:t>Negative	</a:t>
+            </a:r>
+          </a:p>
+          <a:p>
+            <a:pPr lvl="1"/>
+            <a:r>
+              <a:rPr lang="de-DE" dirty="0"/>
+              <a:t>Die (genaue) Funktionalität war lange unklar</a:t>
+            </a:r>
+          </a:p>
+          <a:p>
+            <a:pPr lvl="1"/>
+            <a:r>
+              <a:rPr lang="de-DE" dirty="0"/>
+              <a:t>Das Arbeiten mit </a:t>
             </a:r>
             <a:r>
               <a:rPr lang="de-DE" dirty="0" err="1"/>
-              <a:t>Runnable</a:t>
+              <a:t>Jupyter</a:t>
             </a:r>
             <a:r>
               <a:rPr lang="de-DE" dirty="0"/>
-              <a:t> </a:t>
+              <a:t> ist (sehr) langsam </a:t>
+            </a:r>
+          </a:p>
+          <a:p>
+            <a:pPr lvl="1"/>
+            <a:r>
+              <a:rPr lang="de-DE" dirty="0"/>
+              <a:t>Kooperatives Arbeiten mit </a:t>
             </a:r>
             <a:r>
               <a:rPr lang="de-DE" dirty="0" err="1"/>
-              <a:t>Jar</a:t>
+              <a:t>Jupyter</a:t>
             </a:r>
             <a:r>
               <a:rPr lang="de-DE" dirty="0"/>
-              <a:t> Datei zur Ausführung des Codes</a:t>
+              <a:t> zur gleichen Zeit war sehr nervig, weil </a:t>
+            </a:r>
+            <a:r>
+              <a:rPr lang="de-DE" dirty="0" err="1"/>
+              <a:t>Jupyter</a:t>
+            </a:r>
+            <a:r>
+              <a:rPr lang="de-DE" dirty="0"/>
+              <a:t> alle einzelnen Änderung von Mitglied A sofort dem Mitglied B als Update zeigt. </a:t>
+            </a:r>
+          </a:p>
+          <a:p>
+            <a:r>
+              <a:rPr lang="de-DE" dirty="0"/>
+              <a:t>Vorschläge zur Verbesserung</a:t>
             </a:r>
           </a:p>
           <a:p>
             <a:pPr lvl="1"/>
             <a:r>
               <a:rPr lang="de-DE" dirty="0"/>
-              <a:t>Wie bei Meilenstein Implementierung</a:t>
-            </a:r>
+              <a:t>Eine Importoption der Änderungen von anderen Mitgliedern</a:t>
+            </a:r>
+          </a:p>
+          <a:p>
+            <a:pPr marL="324000" lvl="1" indent="0">
+              <a:buNone/>
+            </a:pPr>
+            <a:endParaRPr lang="de-DE" dirty="0"/>
           </a:p>
           <a:p>
             <a:pPr lvl="1"/>
             <a:endParaRPr lang="de-DE" dirty="0"/>
-          </a:p>
-          <a:p>
-            <a:r>
-              <a:rPr lang="de-DE" dirty="0"/>
-              <a:t>Finale Version der Zeiterfassung als Excel Tabelle	</a:t>
-            </a:r>
-          </a:p>
-          <a:p>
-            <a:pPr lvl="1"/>
-            <a:r>
-              <a:rPr lang="de-DE" dirty="0"/>
-              <a:t>Jedes Teammitglied hat eigenes Tabellenblatt</a:t>
-            </a:r>
-          </a:p>
-          <a:p>
-            <a:pPr lvl="1"/>
-            <a:r>
-              <a:rPr lang="de-DE" dirty="0"/>
-              <a:t>Gesamtübersicht und grafische Verteilung der Stunden in eigenem Tabellenblatt</a:t>
-            </a:r>
           </a:p>
           <a:p>
             <a:pPr lvl="1"/>
@@ -8191,7 +8238,7 @@
     </p:spTree>
     <p:extLst>
       <p:ext uri="{BB962C8B-B14F-4D97-AF65-F5344CB8AC3E}">
-        <p14:creationId xmlns:p14="http://schemas.microsoft.com/office/powerpoint/2010/main" val="3038075436"/>
+        <p14:creationId xmlns:p14="http://schemas.microsoft.com/office/powerpoint/2010/main" val="3416011178"/>
       </p:ext>
     </p:extLst>
   </p:cSld>
@@ -8223,6 +8270,178 @@
           <p:cNvPr id="2" name="Titel 1">
             <a:extLst>
               <a:ext uri="{FF2B5EF4-FFF2-40B4-BE49-F238E27FC236}">
+                <a16:creationId xmlns:a16="http://schemas.microsoft.com/office/drawing/2014/main" id="{31D21C00-19DA-44E4-938F-E698E110FB45}"/>
+              </a:ext>
+            </a:extLst>
+          </p:cNvPr>
+          <p:cNvSpPr>
+            <a:spLocks noGrp="1"/>
+          </p:cNvSpPr>
+          <p:nvPr>
+            <p:ph type="title"/>
+          </p:nvPr>
+        </p:nvSpPr>
+        <p:spPr/>
+        <p:txBody>
+          <a:bodyPr/>
+          <a:lstStyle/>
+          <a:p>
+            <a:r>
+              <a:rPr lang="de-DE" dirty="0"/>
+              <a:t>Anmerkungen zur Abgabe</a:t>
+            </a:r>
+            <a:endParaRPr lang="de-AT" dirty="0"/>
+          </a:p>
+        </p:txBody>
+      </p:sp>
+      <p:sp>
+        <p:nvSpPr>
+          <p:cNvPr id="3" name="Inhaltsplatzhalter 2">
+            <a:extLst>
+              <a:ext uri="{FF2B5EF4-FFF2-40B4-BE49-F238E27FC236}">
+                <a16:creationId xmlns:a16="http://schemas.microsoft.com/office/drawing/2014/main" id="{1DDAF0F5-8B16-4079-B8EA-0DE9316C6E3C}"/>
+              </a:ext>
+            </a:extLst>
+          </p:cNvPr>
+          <p:cNvSpPr>
+            <a:spLocks noGrp="1"/>
+          </p:cNvSpPr>
+          <p:nvPr>
+            <p:ph idx="1"/>
+          </p:nvPr>
+        </p:nvSpPr>
+        <p:spPr/>
+        <p:txBody>
+          <a:bodyPr/>
+          <a:lstStyle/>
+          <a:p>
+            <a:r>
+              <a:rPr lang="de-DE" dirty="0"/>
+              <a:t>Abgabe des Java Projects und einer </a:t>
+            </a:r>
+            <a:r>
+              <a:rPr lang="de-DE" dirty="0" err="1"/>
+              <a:t>Runnable</a:t>
+            </a:r>
+            <a:r>
+              <a:rPr lang="de-DE" dirty="0"/>
+              <a:t> </a:t>
+            </a:r>
+            <a:r>
+              <a:rPr lang="de-DE" dirty="0" err="1"/>
+              <a:t>Jar</a:t>
+            </a:r>
+            <a:r>
+              <a:rPr lang="de-DE" dirty="0"/>
+              <a:t> Datei zur Ausführung des Codes</a:t>
+            </a:r>
+          </a:p>
+          <a:p>
+            <a:pPr lvl="1"/>
+            <a:r>
+              <a:rPr lang="de-DE" dirty="0"/>
+              <a:t>Wie bei Meilenstein Implementierung</a:t>
+            </a:r>
+          </a:p>
+          <a:p>
+            <a:pPr lvl="1"/>
+            <a:endParaRPr lang="de-DE" dirty="0"/>
+          </a:p>
+          <a:p>
+            <a:r>
+              <a:rPr lang="de-DE" dirty="0"/>
+              <a:t>Finale Version der Zeiterfassung als Excel Tabelle	</a:t>
+            </a:r>
+          </a:p>
+          <a:p>
+            <a:pPr lvl="1"/>
+            <a:r>
+              <a:rPr lang="de-DE" dirty="0"/>
+              <a:t>Jedes Teammitglied hat eigenes Tabellenblatt</a:t>
+            </a:r>
+          </a:p>
+          <a:p>
+            <a:pPr lvl="1"/>
+            <a:r>
+              <a:rPr lang="de-DE" dirty="0"/>
+              <a:t>Gesamtübersicht und grafische Verteilung der Stunden in eigenem Tabellenblatt</a:t>
+            </a:r>
+          </a:p>
+          <a:p>
+            <a:pPr lvl="1"/>
+            <a:endParaRPr lang="de-DE" dirty="0"/>
+          </a:p>
+          <a:p>
+            <a:pPr lvl="1"/>
+            <a:endParaRPr lang="de-AT" dirty="0"/>
+          </a:p>
+        </p:txBody>
+      </p:sp>
+      <p:sp>
+        <p:nvSpPr>
+          <p:cNvPr id="6" name="Foliennummernplatzhalter 5">
+            <a:extLst>
+              <a:ext uri="{FF2B5EF4-FFF2-40B4-BE49-F238E27FC236}">
+                <a16:creationId xmlns:a16="http://schemas.microsoft.com/office/drawing/2014/main" id="{279035B8-7AC3-4738-8690-A9A6D38AABF3}"/>
+              </a:ext>
+            </a:extLst>
+          </p:cNvPr>
+          <p:cNvSpPr>
+            <a:spLocks noGrp="1"/>
+          </p:cNvSpPr>
+          <p:nvPr>
+            <p:ph type="sldNum" sz="quarter" idx="28"/>
+          </p:nvPr>
+        </p:nvSpPr>
+        <p:spPr/>
+        <p:txBody>
+          <a:bodyPr/>
+          <a:lstStyle/>
+          <a:p>
+            <a:fld id="{2FCA2C60-3929-1D49-B29C-C60A97789EE3}" type="slidenum">
+              <a:rPr lang="en-US" smtClean="0"/>
+              <a:pPr/>
+              <a:t>8</a:t>
+            </a:fld>
+            <a:endParaRPr lang="en-US" dirty="0"/>
+          </a:p>
+        </p:txBody>
+      </p:sp>
+    </p:spTree>
+    <p:extLst>
+      <p:ext uri="{BB962C8B-B14F-4D97-AF65-F5344CB8AC3E}">
+        <p14:creationId xmlns:p14="http://schemas.microsoft.com/office/powerpoint/2010/main" val="3038075436"/>
+      </p:ext>
+    </p:extLst>
+  </p:cSld>
+  <p:clrMapOvr>
+    <a:masterClrMapping/>
+  </p:clrMapOvr>
+</p:sld>
+</file>
+
+<file path=ppt/slides/slide9.xml><?xml version="1.0" encoding="utf-8"?>
+<p:sld xmlns:a="http://schemas.openxmlformats.org/drawingml/2006/main" xmlns:r="http://schemas.openxmlformats.org/officeDocument/2006/relationships" xmlns:p="http://schemas.openxmlformats.org/presentationml/2006/main">
+  <p:cSld>
+    <p:spTree>
+      <p:nvGrpSpPr>
+        <p:cNvPr id="1" name=""/>
+        <p:cNvGrpSpPr/>
+        <p:nvPr/>
+      </p:nvGrpSpPr>
+      <p:grpSpPr>
+        <a:xfrm>
+          <a:off x="0" y="0"/>
+          <a:ext cx="0" cy="0"/>
+          <a:chOff x="0" y="0"/>
+          <a:chExt cx="0" cy="0"/>
+        </a:xfrm>
+      </p:grpSpPr>
+      <p:sp>
+        <p:nvSpPr>
+          <p:cNvPr id="2" name="Titel 1">
+            <a:extLst>
+              <a:ext uri="{FF2B5EF4-FFF2-40B4-BE49-F238E27FC236}">
                 <a16:creationId xmlns:a16="http://schemas.microsoft.com/office/drawing/2014/main" id="{03641EAD-FBA0-42FA-84C9-BA5832842BF6}"/>
               </a:ext>
             </a:extLst>
@@ -8360,7 +8579,7 @@
             <a:fld id="{2FCA2C60-3929-1D49-B29C-C60A97789EE3}" type="slidenum">
               <a:rPr lang="en-US" smtClean="0"/>
               <a:pPr/>
-              <a:t>8</a:t>
+              <a:t>9</a:t>
             </a:fld>
             <a:endParaRPr lang="en-US" dirty="0"/>
           </a:p>

--- a/Dokumente/Projektabschluss/Endabgabe_Projektabschluss.pptx
+++ b/Dokumente/Projektabschluss/Endabgabe_Projektabschluss.pptx
@@ -7949,8 +7949,13 @@
             <a:pPr lvl="1"/>
             <a:r>
               <a:rPr lang="de-DE" dirty="0"/>
-              <a:t>Gelernt: In Zukunft mehr Zeit am Anfang eines Projektes investieren, wie für den konzeptuellen Entwurf, dessen Auswirkung auf die späteren Phasen unterschätzt wurde. Dies würde die Implementierung enorm erleichtern.  </a:t>
-            </a:r>
+              <a:t>Gelernt: In Zukunft mehr Zeit am Anfang eines Projektes investieren, wie für den konzeptuellen Entwurf, dessen Auswirkung auf die späteren Phasen unterschätzt wurde. Dies würde die Implementierung </a:t>
+            </a:r>
+            <a:r>
+              <a:rPr lang="de-DE"/>
+              <a:t>enorm erleichtern  </a:t>
+            </a:r>
+            <a:endParaRPr lang="de-DE" dirty="0"/>
           </a:p>
           <a:p>
             <a:r>
@@ -8169,7 +8174,7 @@
             </a:r>
             <a:r>
               <a:rPr lang="de-DE" dirty="0"/>
-              <a:t> alle einzelnen Änderung von Mitglied A sofort dem Mitglied B als Update zeigt. </a:t>
+              <a:t> alle einzelnen Änderung von Mitglied A sofort dem Mitglied B als Update zeigt </a:t>
             </a:r>
           </a:p>
           <a:p>

--- a/Dokumente/Projektabschluss/Endabgabe_Projektabschluss.pptx
+++ b/Dokumente/Projektabschluss/Endabgabe_Projektabschluss.pptx
@@ -5,10 +5,10 @@
     <p:sldMasterId id="2147483660" r:id="rId1"/>
   </p:sldMasterIdLst>
   <p:notesMasterIdLst>
-    <p:notesMasterId r:id="rId11"/>
+    <p:notesMasterId r:id="rId10"/>
   </p:notesMasterIdLst>
   <p:handoutMasterIdLst>
-    <p:handoutMasterId r:id="rId12"/>
+    <p:handoutMasterId r:id="rId11"/>
   </p:handoutMasterIdLst>
   <p:sldIdLst>
     <p:sldId id="257" r:id="rId2"/>
@@ -17,9 +17,8 @@
     <p:sldId id="260" r:id="rId5"/>
     <p:sldId id="259" r:id="rId6"/>
     <p:sldId id="261" r:id="rId7"/>
-    <p:sldId id="265" r:id="rId8"/>
-    <p:sldId id="262" r:id="rId9"/>
-    <p:sldId id="263" r:id="rId10"/>
+    <p:sldId id="262" r:id="rId8"/>
+    <p:sldId id="263" r:id="rId9"/>
   </p:sldIdLst>
   <p:sldSz cx="9144000" cy="6858000" type="screen4x3"/>
   <p:notesSz cx="7102475" cy="10234613"/>
@@ -7750,7 +7749,7 @@
           <a:lstStyle/>
           <a:p>
             <a:r>
-              <a:rPr lang="de-DE" dirty="0"/>
+              <a:rPr lang="de-DE" b="1" dirty="0"/>
               <a:t>Werkzeuge</a:t>
             </a:r>
           </a:p>
@@ -7765,7 +7764,7 @@
             <a:pPr lvl="1"/>
             <a:r>
               <a:rPr lang="de-DE" dirty="0"/>
-              <a:t>Verwendung von Java war ideal, da alle Teammitglieder mit dieser Programmiersprache umgehen können</a:t>
+              <a:t>Verwendung von Java als Programmiersprache war ideal, da alle Teammitglieder mit dieser Programmiersprache umgehen können</a:t>
             </a:r>
           </a:p>
           <a:p>
@@ -7774,7 +7773,7 @@
           </a:p>
           <a:p>
             <a:r>
-              <a:rPr lang="de-DE" dirty="0"/>
+              <a:rPr lang="de-DE" b="1" dirty="0"/>
               <a:t>Kommunikation</a:t>
             </a:r>
           </a:p>
@@ -7934,7 +7933,7 @@
           <a:lstStyle/>
           <a:p>
             <a:r>
-              <a:rPr lang="de-DE" dirty="0"/>
+              <a:rPr lang="de-DE" b="1" dirty="0"/>
               <a:t>Planung</a:t>
             </a:r>
           </a:p>
@@ -7949,17 +7948,12 @@
             <a:pPr lvl="1"/>
             <a:r>
               <a:rPr lang="de-DE" dirty="0"/>
-              <a:t>Gelernt: In Zukunft mehr Zeit am Anfang eines Projektes investieren, wie für den konzeptuellen Entwurf, dessen Auswirkung auf die späteren Phasen unterschätzt wurde. Dies würde die Implementierung </a:t>
-            </a:r>
-            <a:r>
-              <a:rPr lang="de-DE"/>
-              <a:t>enorm erleichtern  </a:t>
-            </a:r>
-            <a:endParaRPr lang="de-DE" dirty="0"/>
-          </a:p>
-          <a:p>
-            <a:r>
-              <a:rPr lang="de-DE" dirty="0"/>
+              <a:t>Gelernt: In Zukunft mehr Zeit am Anfang eines Projektes investieren, wie für den konzeptuellen Entwurf, dessen Auswirkung auf die späteren Phasen unterschätzt wurde. Dies würde die Implementierung enorm erleichtern  </a:t>
+            </a:r>
+          </a:p>
+          <a:p>
+            <a:r>
+              <a:rPr lang="de-DE" b="1" dirty="0"/>
               <a:t>Verständnis der Aufgabenstellung und des Codes</a:t>
             </a:r>
           </a:p>
@@ -8075,7 +8069,7 @@
           <a:p>
             <a:r>
               <a:rPr lang="de-DE" dirty="0"/>
-              <a:t>Anmerkungen zur JUPYTER</a:t>
+              <a:t>Anmerkungen zur Abgabe</a:t>
             </a:r>
             <a:endParaRPr lang="de-AT" dirty="0"/>
           </a:p>
@@ -8097,108 +8091,62 @@
             <p:ph idx="1"/>
           </p:nvPr>
         </p:nvSpPr>
-        <p:spPr>
-          <a:xfrm>
-            <a:off x="549322" y="1413411"/>
-            <a:ext cx="7925378" cy="4428658"/>
-          </a:xfrm>
-        </p:spPr>
+        <p:spPr/>
         <p:txBody>
           <a:bodyPr/>
           <a:lstStyle/>
           <a:p>
             <a:r>
               <a:rPr lang="de-DE" dirty="0"/>
-              <a:t>Positive</a:t>
+              <a:t>Abgabe des Java Projects und einer </a:t>
+            </a:r>
+            <a:r>
+              <a:rPr lang="de-DE" dirty="0" err="1"/>
+              <a:t>Runnable</a:t>
+            </a:r>
+            <a:r>
+              <a:rPr lang="de-DE" dirty="0"/>
+              <a:t> </a:t>
+            </a:r>
+            <a:r>
+              <a:rPr lang="de-DE" dirty="0" err="1"/>
+              <a:t>Jar</a:t>
+            </a:r>
+            <a:r>
+              <a:rPr lang="de-DE" dirty="0"/>
+              <a:t> Datei zur Ausführung des Codes</a:t>
             </a:r>
           </a:p>
           <a:p>
             <a:pPr lvl="1"/>
             <a:r>
               <a:rPr lang="de-DE" dirty="0"/>
-              <a:t>Das Testen der Syntax funktionierte sehr gut</a:t>
-            </a:r>
-          </a:p>
-          <a:p>
-            <a:pPr lvl="1"/>
-            <a:r>
-              <a:rPr lang="de-DE" dirty="0"/>
-              <a:t>Es wurden keine Bugs bei der Bedienung gefunden</a:t>
-            </a:r>
-          </a:p>
-          <a:p>
-            <a:r>
-              <a:rPr lang="de-DE" dirty="0"/>
-              <a:t>Negative	</a:t>
-            </a:r>
-          </a:p>
-          <a:p>
-            <a:pPr lvl="1"/>
-            <a:r>
-              <a:rPr lang="de-DE" dirty="0"/>
-              <a:t>Die (genaue) Funktionalität war lange unklar</a:t>
-            </a:r>
-          </a:p>
-          <a:p>
-            <a:pPr lvl="1"/>
-            <a:r>
-              <a:rPr lang="de-DE" dirty="0"/>
-              <a:t>Das Arbeiten mit </a:t>
-            </a:r>
-            <a:r>
-              <a:rPr lang="de-DE" dirty="0" err="1"/>
-              <a:t>Jupyter</a:t>
-            </a:r>
-            <a:r>
-              <a:rPr lang="de-DE" dirty="0"/>
-              <a:t> ist (sehr) langsam </a:t>
-            </a:r>
-          </a:p>
-          <a:p>
-            <a:pPr lvl="1"/>
-            <a:r>
-              <a:rPr lang="de-DE" dirty="0"/>
-              <a:t>Kooperatives Arbeiten mit </a:t>
-            </a:r>
-            <a:r>
-              <a:rPr lang="de-DE" dirty="0" err="1"/>
-              <a:t>Jupyter</a:t>
-            </a:r>
-            <a:r>
-              <a:rPr lang="de-DE" dirty="0"/>
-              <a:t> zur gleichen Zeit war sehr nervig, weil </a:t>
-            </a:r>
-            <a:r>
-              <a:rPr lang="de-DE" dirty="0" err="1"/>
-              <a:t>Jupyter</a:t>
-            </a:r>
-            <a:r>
-              <a:rPr lang="de-DE" dirty="0"/>
-              <a:t> alle einzelnen Änderung von Mitglied A sofort dem Mitglied B als Update zeigt </a:t>
-            </a:r>
-          </a:p>
-          <a:p>
-            <a:r>
-              <a:rPr lang="de-DE" dirty="0"/>
-              <a:t>Vorschläge zur Verbesserung</a:t>
-            </a:r>
-          </a:p>
-          <a:p>
-            <a:pPr lvl="1"/>
-            <a:r>
-              <a:rPr lang="de-DE" dirty="0"/>
-              <a:t>Eine Importoption der Änderungen von anderen Mitgliedern</a:t>
-            </a:r>
-          </a:p>
-          <a:p>
-            <a:pPr marL="324000" lvl="1" indent="0">
-              <a:buNone/>
-            </a:pPr>
-            <a:endParaRPr lang="de-DE" dirty="0"/>
+              <a:t>Wie bei Meilenstein Implementierung</a:t>
+            </a:r>
           </a:p>
           <a:p>
             <a:pPr lvl="1"/>
             <a:endParaRPr lang="de-DE" dirty="0"/>
+          </a:p>
+          <a:p>
+            <a:r>
+              <a:rPr lang="de-DE" dirty="0"/>
+              <a:t>Finale Version der Zeiterfassung als Excel Tabelle	</a:t>
+            </a:r>
+          </a:p>
+          <a:p>
+            <a:pPr lvl="1"/>
+            <a:r>
+              <a:rPr lang="de-DE" dirty="0"/>
+              <a:t>Jedes Teammitglied hat ein eigenes Tabellenblatt</a:t>
+            </a:r>
+          </a:p>
+          <a:p>
+            <a:pPr lvl="1"/>
+            <a:r>
+              <a:rPr lang="de-DE" dirty="0"/>
+              <a:t>Gesamtübersicht und grafische Verteilung der Stunden in eigenem Tabellenblatt</a:t>
+            </a:r>
           </a:p>
           <a:p>
             <a:pPr lvl="1"/>
@@ -8243,7 +8191,7 @@
     </p:spTree>
     <p:extLst>
       <p:ext uri="{BB962C8B-B14F-4D97-AF65-F5344CB8AC3E}">
-        <p14:creationId xmlns:p14="http://schemas.microsoft.com/office/powerpoint/2010/main" val="3416011178"/>
+        <p14:creationId xmlns:p14="http://schemas.microsoft.com/office/powerpoint/2010/main" val="3038075436"/>
       </p:ext>
     </p:extLst>
   </p:cSld>
@@ -8275,178 +8223,6 @@
           <p:cNvPr id="2" name="Titel 1">
             <a:extLst>
               <a:ext uri="{FF2B5EF4-FFF2-40B4-BE49-F238E27FC236}">
-                <a16:creationId xmlns:a16="http://schemas.microsoft.com/office/drawing/2014/main" id="{31D21C00-19DA-44E4-938F-E698E110FB45}"/>
-              </a:ext>
-            </a:extLst>
-          </p:cNvPr>
-          <p:cNvSpPr>
-            <a:spLocks noGrp="1"/>
-          </p:cNvSpPr>
-          <p:nvPr>
-            <p:ph type="title"/>
-          </p:nvPr>
-        </p:nvSpPr>
-        <p:spPr/>
-        <p:txBody>
-          <a:bodyPr/>
-          <a:lstStyle/>
-          <a:p>
-            <a:r>
-              <a:rPr lang="de-DE" dirty="0"/>
-              <a:t>Anmerkungen zur Abgabe</a:t>
-            </a:r>
-            <a:endParaRPr lang="de-AT" dirty="0"/>
-          </a:p>
-        </p:txBody>
-      </p:sp>
-      <p:sp>
-        <p:nvSpPr>
-          <p:cNvPr id="3" name="Inhaltsplatzhalter 2">
-            <a:extLst>
-              <a:ext uri="{FF2B5EF4-FFF2-40B4-BE49-F238E27FC236}">
-                <a16:creationId xmlns:a16="http://schemas.microsoft.com/office/drawing/2014/main" id="{1DDAF0F5-8B16-4079-B8EA-0DE9316C6E3C}"/>
-              </a:ext>
-            </a:extLst>
-          </p:cNvPr>
-          <p:cNvSpPr>
-            <a:spLocks noGrp="1"/>
-          </p:cNvSpPr>
-          <p:nvPr>
-            <p:ph idx="1"/>
-          </p:nvPr>
-        </p:nvSpPr>
-        <p:spPr/>
-        <p:txBody>
-          <a:bodyPr/>
-          <a:lstStyle/>
-          <a:p>
-            <a:r>
-              <a:rPr lang="de-DE" dirty="0"/>
-              <a:t>Abgabe des Java Projects und einer </a:t>
-            </a:r>
-            <a:r>
-              <a:rPr lang="de-DE" dirty="0" err="1"/>
-              <a:t>Runnable</a:t>
-            </a:r>
-            <a:r>
-              <a:rPr lang="de-DE" dirty="0"/>
-              <a:t> </a:t>
-            </a:r>
-            <a:r>
-              <a:rPr lang="de-DE" dirty="0" err="1"/>
-              <a:t>Jar</a:t>
-            </a:r>
-            <a:r>
-              <a:rPr lang="de-DE" dirty="0"/>
-              <a:t> Datei zur Ausführung des Codes</a:t>
-            </a:r>
-          </a:p>
-          <a:p>
-            <a:pPr lvl="1"/>
-            <a:r>
-              <a:rPr lang="de-DE" dirty="0"/>
-              <a:t>Wie bei Meilenstein Implementierung</a:t>
-            </a:r>
-          </a:p>
-          <a:p>
-            <a:pPr lvl="1"/>
-            <a:endParaRPr lang="de-DE" dirty="0"/>
-          </a:p>
-          <a:p>
-            <a:r>
-              <a:rPr lang="de-DE" dirty="0"/>
-              <a:t>Finale Version der Zeiterfassung als Excel Tabelle	</a:t>
-            </a:r>
-          </a:p>
-          <a:p>
-            <a:pPr lvl="1"/>
-            <a:r>
-              <a:rPr lang="de-DE" dirty="0"/>
-              <a:t>Jedes Teammitglied hat eigenes Tabellenblatt</a:t>
-            </a:r>
-          </a:p>
-          <a:p>
-            <a:pPr lvl="1"/>
-            <a:r>
-              <a:rPr lang="de-DE" dirty="0"/>
-              <a:t>Gesamtübersicht und grafische Verteilung der Stunden in eigenem Tabellenblatt</a:t>
-            </a:r>
-          </a:p>
-          <a:p>
-            <a:pPr lvl="1"/>
-            <a:endParaRPr lang="de-DE" dirty="0"/>
-          </a:p>
-          <a:p>
-            <a:pPr lvl="1"/>
-            <a:endParaRPr lang="de-AT" dirty="0"/>
-          </a:p>
-        </p:txBody>
-      </p:sp>
-      <p:sp>
-        <p:nvSpPr>
-          <p:cNvPr id="6" name="Foliennummernplatzhalter 5">
-            <a:extLst>
-              <a:ext uri="{FF2B5EF4-FFF2-40B4-BE49-F238E27FC236}">
-                <a16:creationId xmlns:a16="http://schemas.microsoft.com/office/drawing/2014/main" id="{279035B8-7AC3-4738-8690-A9A6D38AABF3}"/>
-              </a:ext>
-            </a:extLst>
-          </p:cNvPr>
-          <p:cNvSpPr>
-            <a:spLocks noGrp="1"/>
-          </p:cNvSpPr>
-          <p:nvPr>
-            <p:ph type="sldNum" sz="quarter" idx="28"/>
-          </p:nvPr>
-        </p:nvSpPr>
-        <p:spPr/>
-        <p:txBody>
-          <a:bodyPr/>
-          <a:lstStyle/>
-          <a:p>
-            <a:fld id="{2FCA2C60-3929-1D49-B29C-C60A97789EE3}" type="slidenum">
-              <a:rPr lang="en-US" smtClean="0"/>
-              <a:pPr/>
-              <a:t>8</a:t>
-            </a:fld>
-            <a:endParaRPr lang="en-US" dirty="0"/>
-          </a:p>
-        </p:txBody>
-      </p:sp>
-    </p:spTree>
-    <p:extLst>
-      <p:ext uri="{BB962C8B-B14F-4D97-AF65-F5344CB8AC3E}">
-        <p14:creationId xmlns:p14="http://schemas.microsoft.com/office/powerpoint/2010/main" val="3038075436"/>
-      </p:ext>
-    </p:extLst>
-  </p:cSld>
-  <p:clrMapOvr>
-    <a:masterClrMapping/>
-  </p:clrMapOvr>
-</p:sld>
-</file>
-
-<file path=ppt/slides/slide9.xml><?xml version="1.0" encoding="utf-8"?>
-<p:sld xmlns:a="http://schemas.openxmlformats.org/drawingml/2006/main" xmlns:r="http://schemas.openxmlformats.org/officeDocument/2006/relationships" xmlns:p="http://schemas.openxmlformats.org/presentationml/2006/main">
-  <p:cSld>
-    <p:spTree>
-      <p:nvGrpSpPr>
-        <p:cNvPr id="1" name=""/>
-        <p:cNvGrpSpPr/>
-        <p:nvPr/>
-      </p:nvGrpSpPr>
-      <p:grpSpPr>
-        <a:xfrm>
-          <a:off x="0" y="0"/>
-          <a:ext cx="0" cy="0"/>
-          <a:chOff x="0" y="0"/>
-          <a:chExt cx="0" cy="0"/>
-        </a:xfrm>
-      </p:grpSpPr>
-      <p:sp>
-        <p:nvSpPr>
-          <p:cNvPr id="2" name="Titel 1">
-            <a:extLst>
-              <a:ext uri="{FF2B5EF4-FFF2-40B4-BE49-F238E27FC236}">
                 <a16:creationId xmlns:a16="http://schemas.microsoft.com/office/drawing/2014/main" id="{03641EAD-FBA0-42FA-84C9-BA5832842BF6}"/>
               </a:ext>
             </a:extLst>
@@ -8516,16 +8292,8 @@
           </a:p>
           <a:p>
             <a:r>
-              <a:rPr lang="de-DE" dirty="0"/>
-              <a:t>B</a:t>
-            </a:r>
-            <a:r>
-              <a:rPr lang="de-AT" dirty="0" err="1"/>
-              <a:t>enutzerdokumentation</a:t>
-            </a:r>
-            <a:r>
               <a:rPr lang="de-AT" dirty="0"/>
-              <a:t>	</a:t>
+              <a:t>Benutzerdokumentation	</a:t>
             </a:r>
           </a:p>
           <a:p>
@@ -8584,7 +8352,7 @@
             <a:fld id="{2FCA2C60-3929-1D49-B29C-C60A97789EE3}" type="slidenum">
               <a:rPr lang="en-US" smtClean="0"/>
               <a:pPr/>
-              <a:t>9</a:t>
+              <a:t>8</a:t>
             </a:fld>
             <a:endParaRPr lang="en-US" dirty="0"/>
           </a:p>

--- a/Dokumente/Projektabschluss/Endabgabe_Projektabschluss.pptx
+++ b/Dokumente/Projektabschluss/Endabgabe_Projektabschluss.pptx
@@ -7948,7 +7948,7 @@
             <a:pPr lvl="1"/>
             <a:r>
               <a:rPr lang="de-DE" dirty="0"/>
-              <a:t>Gelernt: In Zukunft mehr Zeit am Anfang eines Projektes investieren, wie für den konzeptuellen Entwurf, dessen Auswirkung auf die späteren Phasen unterschätzt wurde. Dies würde die Implementierung enorm erleichtern  </a:t>
+              <a:t>Gelernt: In Zukunft mehr Zeit am Anfang eines Projektes investieren, wie z.B. für den konzeptuellen Entwurf, dessen Auswirkung auf die späteren Phasen unterschätzt wurde,  dies würde die Implementierung enorm erleichtern  </a:t>
             </a:r>
           </a:p>
           <a:p>
